--- a/iOS行動程式基礎開發上架20堂課/第9堂課使用Stack Views設計UI/swift-swift的方法.pptx
+++ b/iOS行動程式基礎開發上架20堂課/第9堂課使用Stack Views設計UI/swift-swift的方法.pptx
@@ -32854,7 +32854,7 @@
         <p:spPr>
           <a:xfrm>
             <a:off x="883069" y="1048760"/>
-            <a:ext cx="6372335" cy="802641"/>
+            <a:ext cx="5276179" cy="941466"/>
           </a:xfrm>
           <a:prstGeom prst="rect">
             <a:avLst/>
@@ -32874,9 +32874,9 @@
           </a:bodyPr>
           <a:lstStyle/>
           <a:p>
-            <a:pPr marL="457200" indent="-317500" defTabSz="457200">
+            <a:pPr marL="488950" indent="-349250" defTabSz="457200">
               <a:lnSpc>
-                <a:spcPts val="2700"/>
+                <a:spcPts val="1700"/>
               </a:lnSpc>
               <a:spcBef>
                 <a:spcPts val="0"/>
@@ -32887,14 +32887,14 @@
               <a:buSzPct val="100000"/>
               <a:buFont typeface="Menlo"/>
               <a:buChar char="•"/>
-              <a:defRPr b="0" sz="1000">
-                <a:solidFill>
-                  <a:srgbClr val="C41A16"/>
-                </a:solidFill>
-                <a:latin typeface="Menlo"/>
-                <a:ea typeface="Menlo"/>
-                <a:cs typeface="Menlo"/>
-                <a:sym typeface="Menlo"/>
+              <a:defRPr b="0" sz="1100">
+                <a:solidFill>
+                  <a:srgbClr val="5C2699"/>
+                </a:solidFill>
+                <a:latin typeface="Arial"/>
+                <a:ea typeface="Arial"/>
+                <a:cs typeface="Arial"/>
+                <a:sym typeface="Arial"/>
               </a:defRPr>
             </a:pPr>
             <a:r>
@@ -32979,9 +32979,9 @@
             </a:endParaRPr>
           </a:p>
           <a:p>
-            <a:pPr marL="457200" indent="-317500" defTabSz="457200">
+            <a:pPr marL="488950" indent="-349250" defTabSz="457200">
               <a:lnSpc>
-                <a:spcPts val="2700"/>
+                <a:spcPts val="1700"/>
               </a:lnSpc>
               <a:spcBef>
                 <a:spcPts val="0"/>
@@ -32992,14 +32992,14 @@
               <a:buSzPct val="100000"/>
               <a:buFont typeface="Menlo"/>
               <a:buChar char="•"/>
-              <a:defRPr b="0" sz="1000">
-                <a:solidFill>
-                  <a:srgbClr val="3F6E74"/>
-                </a:solidFill>
-                <a:latin typeface="Menlo"/>
-                <a:ea typeface="Menlo"/>
-                <a:cs typeface="Menlo"/>
-                <a:sym typeface="Menlo"/>
+              <a:defRPr b="0" sz="1100">
+                <a:solidFill>
+                  <a:srgbClr val="5C2699"/>
+                </a:solidFill>
+                <a:latin typeface="Arial"/>
+                <a:ea typeface="Arial"/>
+                <a:cs typeface="Arial"/>
+                <a:sym typeface="Arial"/>
               </a:defRPr>
             </a:pPr>
             <a:r>
@@ -33058,9 +33058,9 @@
             </a:endParaRPr>
           </a:p>
           <a:p>
-            <a:pPr marL="457200" indent="-317500" defTabSz="457200">
+            <a:pPr marL="488950" indent="-349250" defTabSz="457200">
               <a:lnSpc>
-                <a:spcPts val="2700"/>
+                <a:spcPts val="1700"/>
               </a:lnSpc>
               <a:spcBef>
                 <a:spcPts val="0"/>
@@ -33071,14 +33071,14 @@
               <a:buSzPct val="100000"/>
               <a:buFont typeface="Menlo"/>
               <a:buChar char="•"/>
-              <a:defRPr b="0" sz="1000">
-                <a:solidFill>
-                  <a:srgbClr val="C41A16"/>
-                </a:solidFill>
-                <a:latin typeface="Menlo"/>
-                <a:ea typeface="Menlo"/>
-                <a:cs typeface="Menlo"/>
-                <a:sym typeface="Menlo"/>
+              <a:defRPr b="0" sz="1100">
+                <a:solidFill>
+                  <a:srgbClr val="5C2699"/>
+                </a:solidFill>
+                <a:latin typeface="Arial"/>
+                <a:ea typeface="Arial"/>
+                <a:cs typeface="Arial"/>
+                <a:sym typeface="Arial"/>
               </a:defRPr>
             </a:pPr>
             <a:r>
@@ -33158,9 +33158,9 @@
             </a:endParaRPr>
           </a:p>
           <a:p>
-            <a:pPr marL="457200" indent="-317500" defTabSz="457200">
+            <a:pPr marL="488950" indent="-349250" defTabSz="457200">
               <a:lnSpc>
-                <a:spcPts val="2700"/>
+                <a:spcPts val="1700"/>
               </a:lnSpc>
               <a:spcBef>
                 <a:spcPts val="0"/>
@@ -33171,14 +33171,14 @@
               <a:buSzPct val="100000"/>
               <a:buFont typeface="Menlo"/>
               <a:buChar char="•"/>
-              <a:defRPr b="0" sz="1000">
-                <a:solidFill>
-                  <a:srgbClr val="007400"/>
-                </a:solidFill>
-                <a:latin typeface="Menlo"/>
-                <a:ea typeface="Menlo"/>
-                <a:cs typeface="Menlo"/>
-                <a:sym typeface="Menlo"/>
+              <a:defRPr b="0" sz="1100">
+                <a:solidFill>
+                  <a:srgbClr val="5C2699"/>
+                </a:solidFill>
+                <a:latin typeface="Arial"/>
+                <a:ea typeface="Arial"/>
+                <a:cs typeface="Arial"/>
+                <a:sym typeface="Arial"/>
               </a:defRPr>
             </a:pPr>
             <a:r>
@@ -33196,7 +33196,7 @@
         <p:spPr>
           <a:xfrm>
             <a:off x="883069" y="2283414"/>
-            <a:ext cx="4154982" cy="1564641"/>
+            <a:ext cx="3324812" cy="1589166"/>
           </a:xfrm>
           <a:prstGeom prst="rect">
             <a:avLst/>
@@ -33216,9 +33216,9 @@
           </a:bodyPr>
           <a:lstStyle/>
           <a:p>
-            <a:pPr marL="457200" indent="-317500" defTabSz="457200">
+            <a:pPr marL="488950" indent="-349250" defTabSz="457200">
               <a:lnSpc>
-                <a:spcPts val="2700"/>
+                <a:spcPts val="1700"/>
               </a:lnSpc>
               <a:spcBef>
                 <a:spcPts val="0"/>
@@ -33229,14 +33229,14 @@
               <a:buSzPct val="100000"/>
               <a:buFont typeface="Menlo"/>
               <a:buChar char="•"/>
-              <a:defRPr b="0" sz="1000">
-                <a:solidFill>
-                  <a:srgbClr val="3F6E74"/>
-                </a:solidFill>
-                <a:latin typeface="Menlo"/>
-                <a:ea typeface="Menlo"/>
-                <a:cs typeface="Menlo"/>
-                <a:sym typeface="Menlo"/>
+              <a:defRPr b="0" sz="1100">
+                <a:solidFill>
+                  <a:srgbClr val="5C2699"/>
+                </a:solidFill>
+                <a:latin typeface="Arial"/>
+                <a:ea typeface="Arial"/>
+                <a:cs typeface="Arial"/>
+                <a:sym typeface="Arial"/>
               </a:defRPr>
             </a:pPr>
             <a:r>
@@ -33295,9 +33295,9 @@
             </a:endParaRPr>
           </a:p>
           <a:p>
-            <a:pPr marL="457200" indent="-317500" defTabSz="457200">
+            <a:pPr marL="488950" indent="-349250" defTabSz="457200">
               <a:lnSpc>
-                <a:spcPts val="2700"/>
+                <a:spcPts val="1700"/>
               </a:lnSpc>
               <a:spcBef>
                 <a:spcPts val="0"/>
@@ -33308,14 +33308,14 @@
               <a:buSzPct val="100000"/>
               <a:buFont typeface="Menlo"/>
               <a:buChar char="•"/>
-              <a:defRPr b="0" sz="1000">
-                <a:solidFill>
-                  <a:srgbClr val="3F6E74"/>
-                </a:solidFill>
-                <a:latin typeface="Menlo"/>
-                <a:ea typeface="Menlo"/>
-                <a:cs typeface="Menlo"/>
-                <a:sym typeface="Menlo"/>
+              <a:defRPr b="0" sz="1100">
+                <a:solidFill>
+                  <a:srgbClr val="5C2699"/>
+                </a:solidFill>
+                <a:latin typeface="Arial"/>
+                <a:ea typeface="Arial"/>
+                <a:cs typeface="Arial"/>
+                <a:sym typeface="Arial"/>
               </a:defRPr>
             </a:pPr>
             <a:r>
@@ -33401,9 +33401,9 @@
             </a:endParaRPr>
           </a:p>
           <a:p>
-            <a:pPr marL="457200" indent="-317500" defTabSz="457200">
+            <a:pPr marL="488950" indent="-349250" defTabSz="457200">
               <a:lnSpc>
-                <a:spcPts val="2700"/>
+                <a:spcPts val="1700"/>
               </a:lnSpc>
               <a:spcBef>
                 <a:spcPts val="0"/>
@@ -33414,14 +33414,14 @@
               <a:buSzPct val="100000"/>
               <a:buFont typeface="Menlo"/>
               <a:buChar char="•"/>
-              <a:defRPr b="0" sz="1000">
-                <a:solidFill>
-                  <a:srgbClr val="C41A16"/>
-                </a:solidFill>
-                <a:latin typeface="Menlo"/>
-                <a:ea typeface="Menlo"/>
-                <a:cs typeface="Menlo"/>
-                <a:sym typeface="Menlo"/>
+              <a:defRPr b="0" sz="1100">
+                <a:solidFill>
+                  <a:srgbClr val="5C2699"/>
+                </a:solidFill>
+                <a:latin typeface="Arial"/>
+                <a:ea typeface="Arial"/>
+                <a:cs typeface="Arial"/>
+                <a:sym typeface="Arial"/>
               </a:defRPr>
             </a:pPr>
             <a:r>
@@ -33466,9 +33466,9 @@
             </a:endParaRPr>
           </a:p>
           <a:p>
-            <a:pPr marL="457200" indent="-317500" defTabSz="457200">
+            <a:pPr marL="488950" indent="-349250" defTabSz="457200">
               <a:lnSpc>
-                <a:spcPts val="2700"/>
+                <a:spcPts val="1700"/>
               </a:lnSpc>
               <a:spcBef>
                 <a:spcPts val="0"/>
@@ -33479,14 +33479,14 @@
               <a:buSzPct val="100000"/>
               <a:buFont typeface="Menlo"/>
               <a:buChar char="•"/>
-              <a:defRPr b="0" sz="1000">
-                <a:solidFill>
-                  <a:srgbClr val="333333"/>
-                </a:solidFill>
-                <a:latin typeface="Menlo"/>
-                <a:ea typeface="Menlo"/>
-                <a:cs typeface="Menlo"/>
-                <a:sym typeface="Menlo"/>
+              <a:defRPr b="0" sz="1100">
+                <a:solidFill>
+                  <a:srgbClr val="5C2699"/>
+                </a:solidFill>
+                <a:latin typeface="Arial"/>
+                <a:ea typeface="Arial"/>
+                <a:cs typeface="Arial"/>
+                <a:sym typeface="Arial"/>
               </a:defRPr>
             </a:pPr>
             <a:r>
@@ -33505,9 +33505,9 @@
             </a:r>
           </a:p>
           <a:p>
-            <a:pPr marL="457200" indent="-317500" defTabSz="457200">
+            <a:pPr marL="488950" indent="-349250" defTabSz="457200">
               <a:lnSpc>
-                <a:spcPts val="2700"/>
+                <a:spcPts val="1700"/>
               </a:lnSpc>
               <a:spcBef>
                 <a:spcPts val="0"/>
@@ -33518,14 +33518,14 @@
               <a:buSzPct val="100000"/>
               <a:buFont typeface="Menlo"/>
               <a:buChar char="•"/>
-              <a:defRPr b="0" sz="1000">
-                <a:solidFill>
-                  <a:srgbClr val="C41A16"/>
-                </a:solidFill>
-                <a:latin typeface="Menlo"/>
-                <a:ea typeface="Menlo"/>
-                <a:cs typeface="Menlo"/>
-                <a:sym typeface="Menlo"/>
+              <a:defRPr b="0" sz="1100">
+                <a:solidFill>
+                  <a:srgbClr val="5C2699"/>
+                </a:solidFill>
+                <a:latin typeface="Arial"/>
+                <a:ea typeface="Arial"/>
+                <a:cs typeface="Arial"/>
+                <a:sym typeface="Arial"/>
               </a:defRPr>
             </a:pPr>
             <a:r>
@@ -33570,9 +33570,9 @@
             </a:endParaRPr>
           </a:p>
           <a:p>
-            <a:pPr marL="457200" indent="-317500" defTabSz="457200">
+            <a:pPr marL="488950" indent="-349250" defTabSz="457200">
               <a:lnSpc>
-                <a:spcPts val="2700"/>
+                <a:spcPts val="1700"/>
               </a:lnSpc>
               <a:spcBef>
                 <a:spcPts val="0"/>
@@ -33583,14 +33583,14 @@
               <a:buSzPct val="100000"/>
               <a:buFont typeface="Menlo"/>
               <a:buChar char="•"/>
-              <a:defRPr b="0" sz="1000">
-                <a:solidFill>
-                  <a:srgbClr val="333333"/>
-                </a:solidFill>
-                <a:latin typeface="Menlo"/>
-                <a:ea typeface="Menlo"/>
-                <a:cs typeface="Menlo"/>
-                <a:sym typeface="Menlo"/>
+              <a:defRPr b="0" sz="1100">
+                <a:solidFill>
+                  <a:srgbClr val="5C2699"/>
+                </a:solidFill>
+                <a:latin typeface="Arial"/>
+                <a:ea typeface="Arial"/>
+                <a:cs typeface="Arial"/>
+                <a:sym typeface="Arial"/>
               </a:defRPr>
             </a:pPr>
             <a:r>
@@ -33598,9 +33598,9 @@
             </a:r>
           </a:p>
           <a:p>
-            <a:pPr marL="457200" indent="-317500" defTabSz="457200">
+            <a:pPr marL="488950" indent="-349250" defTabSz="457200">
               <a:lnSpc>
-                <a:spcPts val="2700"/>
+                <a:spcPts val="1700"/>
               </a:lnSpc>
               <a:spcBef>
                 <a:spcPts val="0"/>
@@ -33611,24 +33611,19 @@
               <a:buSzPct val="100000"/>
               <a:buFont typeface="Menlo"/>
               <a:buChar char="•"/>
-              <a:defRPr b="0" sz="1000">
-                <a:solidFill>
-                  <a:srgbClr val="007400"/>
-                </a:solidFill>
-                <a:latin typeface="Menlo"/>
-                <a:ea typeface="Menlo"/>
-                <a:cs typeface="Menlo"/>
-                <a:sym typeface="Menlo"/>
+              <a:defRPr b="0" sz="1100">
+                <a:solidFill>
+                  <a:srgbClr val="5C2699"/>
+                </a:solidFill>
+                <a:latin typeface="Arial"/>
+                <a:ea typeface="Arial"/>
+                <a:cs typeface="Arial"/>
+                <a:sym typeface="Arial"/>
               </a:defRPr>
             </a:pPr>
             <a:r>
               <a:t>// Prints "level 6 has not yet been unlocked"</a:t>
             </a:r>
-            <a:endParaRPr>
-              <a:solidFill>
-                <a:srgbClr val="333333"/>
-              </a:solidFill>
-            </a:endParaRPr>
           </a:p>
         </p:txBody>
       </p:sp>
@@ -34055,7 +34050,7 @@
         <p:spPr>
           <a:xfrm>
             <a:off x="576953" y="1101687"/>
-            <a:ext cx="3107474" cy="2034541"/>
+            <a:ext cx="2805978" cy="2668665"/>
           </a:xfrm>
           <a:prstGeom prst="rect">
             <a:avLst/>
@@ -34075,9 +34070,9 @@
           </a:bodyPr>
           <a:lstStyle/>
           <a:p>
-            <a:pPr marL="457200" indent="-317500" defTabSz="457200">
+            <a:pPr marL="527755" indent="-388055" defTabSz="457200">
               <a:lnSpc>
-                <a:spcPts val="2300"/>
+                <a:spcPts val="1700"/>
               </a:lnSpc>
               <a:spcBef>
                 <a:spcPts val="0"/>
@@ -34088,14 +34083,14 @@
               <a:buSzPct val="100000"/>
               <a:buFont typeface="Menlo"/>
               <a:buChar char="•"/>
-              <a:defRPr b="0" sz="900">
-                <a:solidFill>
-                  <a:srgbClr val="AA0D91"/>
-                </a:solidFill>
-                <a:latin typeface="Menlo"/>
-                <a:ea typeface="Menlo"/>
-                <a:cs typeface="Menlo"/>
-                <a:sym typeface="Menlo"/>
+              <a:defRPr b="0" sz="1100">
+                <a:solidFill>
+                  <a:srgbClr val="5C2699"/>
+                </a:solidFill>
+                <a:latin typeface="Arial"/>
+                <a:ea typeface="Arial"/>
+                <a:cs typeface="Arial"/>
+                <a:sym typeface="Arial"/>
               </a:defRPr>
             </a:pPr>
             <a:r>
@@ -34132,9 +34127,9 @@
             </a:endParaRPr>
           </a:p>
           <a:p>
-            <a:pPr marL="457200" indent="-317500" defTabSz="457200">
+            <a:pPr marL="527755" indent="-388055" defTabSz="457200">
               <a:lnSpc>
-                <a:spcPts val="2300"/>
+                <a:spcPts val="1700"/>
               </a:lnSpc>
               <a:spcBef>
                 <a:spcPts val="0"/>
@@ -34145,14 +34140,14 @@
               <a:buSzPct val="100000"/>
               <a:buFont typeface="Menlo"/>
               <a:buChar char="•"/>
-              <a:defRPr b="0" sz="900">
-                <a:solidFill>
-                  <a:srgbClr val="333333"/>
-                </a:solidFill>
-                <a:latin typeface="Menlo"/>
-                <a:ea typeface="Menlo"/>
-                <a:cs typeface="Menlo"/>
-                <a:sym typeface="Menlo"/>
+              <a:defRPr b="0" sz="1100">
+                <a:solidFill>
+                  <a:srgbClr val="5C2699"/>
+                </a:solidFill>
+                <a:latin typeface="Arial"/>
+                <a:ea typeface="Arial"/>
+                <a:cs typeface="Arial"/>
+                <a:sym typeface="Arial"/>
               </a:defRPr>
             </a:pPr>
             <a:r>
@@ -34190,9 +34185,9 @@
             </a:r>
           </a:p>
           <a:p>
-            <a:pPr marL="457200" indent="-317500" defTabSz="457200">
+            <a:pPr marL="527755" indent="-388055" defTabSz="457200">
               <a:lnSpc>
-                <a:spcPts val="2300"/>
+                <a:spcPts val="1700"/>
               </a:lnSpc>
               <a:spcBef>
                 <a:spcPts val="0"/>
@@ -34203,14 +34198,14 @@
               <a:buSzPct val="100000"/>
               <a:buFont typeface="Menlo"/>
               <a:buChar char="•"/>
-              <a:defRPr b="0" sz="900">
-                <a:solidFill>
-                  <a:srgbClr val="3F6E74"/>
-                </a:solidFill>
-                <a:latin typeface="Menlo"/>
-                <a:ea typeface="Menlo"/>
-                <a:cs typeface="Menlo"/>
-                <a:sym typeface="Menlo"/>
+              <a:defRPr b="0" sz="1100">
+                <a:solidFill>
+                  <a:srgbClr val="5C2699"/>
+                </a:solidFill>
+                <a:latin typeface="Arial"/>
+                <a:ea typeface="Arial"/>
+                <a:cs typeface="Arial"/>
+                <a:sym typeface="Arial"/>
               </a:defRPr>
             </a:pPr>
             <a:r>
@@ -34255,9 +34250,9 @@
             </a:endParaRPr>
           </a:p>
           <a:p>
-            <a:pPr marL="457200" indent="-317500" defTabSz="457200">
+            <a:pPr marL="527755" indent="-388055" defTabSz="457200">
               <a:lnSpc>
-                <a:spcPts val="2300"/>
+                <a:spcPts val="1700"/>
               </a:lnSpc>
               <a:spcBef>
                 <a:spcPts val="0"/>
@@ -34268,14 +34263,14 @@
               <a:buSzPct val="100000"/>
               <a:buFont typeface="Menlo"/>
               <a:buChar char="•"/>
-              <a:defRPr b="0" sz="900">
-                <a:solidFill>
-                  <a:srgbClr val="333333"/>
-                </a:solidFill>
-                <a:latin typeface="Menlo"/>
-                <a:ea typeface="Menlo"/>
-                <a:cs typeface="Menlo"/>
-                <a:sym typeface="Menlo"/>
+              <a:defRPr b="0" sz="1100">
+                <a:solidFill>
+                  <a:srgbClr val="5C2699"/>
+                </a:solidFill>
+                <a:latin typeface="Arial"/>
+                <a:ea typeface="Arial"/>
+                <a:cs typeface="Arial"/>
+                <a:sym typeface="Arial"/>
               </a:defRPr>
             </a:pPr>
             <a:r>
@@ -34302,9 +34297,9 @@
             </a:r>
           </a:p>
           <a:p>
-            <a:pPr marL="457200" indent="-317500" defTabSz="457200">
+            <a:pPr marL="527755" indent="-388055" defTabSz="457200">
               <a:lnSpc>
-                <a:spcPts val="2300"/>
+                <a:spcPts val="1700"/>
               </a:lnSpc>
               <a:spcBef>
                 <a:spcPts val="0"/>
@@ -34315,14 +34310,14 @@
               <a:buSzPct val="100000"/>
               <a:buFont typeface="Menlo"/>
               <a:buChar char="•"/>
-              <a:defRPr b="0" sz="900">
-                <a:solidFill>
-                  <a:srgbClr val="333333"/>
-                </a:solidFill>
-                <a:latin typeface="Menlo"/>
-                <a:ea typeface="Menlo"/>
-                <a:cs typeface="Menlo"/>
-                <a:sym typeface="Menlo"/>
+              <a:defRPr b="0" sz="1100">
+                <a:solidFill>
+                  <a:srgbClr val="5C2699"/>
+                </a:solidFill>
+                <a:latin typeface="Arial"/>
+                <a:ea typeface="Arial"/>
+                <a:cs typeface="Arial"/>
+                <a:sym typeface="Arial"/>
               </a:defRPr>
             </a:pPr>
             <a:r>
@@ -34330,9 +34325,9 @@
             </a:r>
           </a:p>
           <a:p>
-            <a:pPr marL="457200" indent="-317500" defTabSz="457200">
+            <a:pPr marL="527755" indent="-388055" defTabSz="457200">
               <a:lnSpc>
-                <a:spcPts val="2300"/>
+                <a:spcPts val="1700"/>
               </a:lnSpc>
               <a:spcBef>
                 <a:spcPts val="0"/>
@@ -34343,14 +34338,14 @@
               <a:buSzPct val="100000"/>
               <a:buFont typeface="Menlo"/>
               <a:buChar char="•"/>
-              <a:defRPr b="0" sz="900">
-                <a:solidFill>
-                  <a:srgbClr val="3F6E74"/>
-                </a:solidFill>
-                <a:latin typeface="Menlo"/>
-                <a:ea typeface="Menlo"/>
-                <a:cs typeface="Menlo"/>
-                <a:sym typeface="Menlo"/>
+              <a:defRPr b="0" sz="1100">
+                <a:solidFill>
+                  <a:srgbClr val="5C2699"/>
+                </a:solidFill>
+                <a:latin typeface="Arial"/>
+                <a:ea typeface="Arial"/>
+                <a:cs typeface="Arial"/>
+                <a:sym typeface="Arial"/>
               </a:defRPr>
             </a:pPr>
             <a:r>
@@ -34411,11 +34406,6 @@
               <a:t>: </a:t>
             </a:r>
             <a:r>
-              <a:rPr>
-                <a:solidFill>
-                  <a:srgbClr val="5C2699"/>
-                </a:solidFill>
-              </a:rPr>
               <a:t>Int</a:t>
             </a:r>
             <a:r>
@@ -34433,9 +34423,9 @@
             </a:endParaRPr>
           </a:p>
           <a:p>
-            <a:pPr marL="457200" indent="-317500" defTabSz="457200">
+            <a:pPr marL="527755" indent="-388055" defTabSz="457200">
               <a:lnSpc>
-                <a:spcPts val="2300"/>
+                <a:spcPts val="1700"/>
               </a:lnSpc>
               <a:spcBef>
                 <a:spcPts val="0"/>
@@ -34446,14 +34436,14 @@
               <a:buSzPct val="100000"/>
               <a:buFont typeface="Menlo"/>
               <a:buChar char="•"/>
-              <a:defRPr b="0" sz="900">
-                <a:solidFill>
-                  <a:srgbClr val="333333"/>
-                </a:solidFill>
-                <a:latin typeface="Menlo"/>
-                <a:ea typeface="Menlo"/>
-                <a:cs typeface="Menlo"/>
-                <a:sym typeface="Menlo"/>
+              <a:defRPr b="0" sz="1100">
+                <a:solidFill>
+                  <a:srgbClr val="5C2699"/>
+                </a:solidFill>
+                <a:latin typeface="Arial"/>
+                <a:ea typeface="Arial"/>
+                <a:cs typeface="Arial"/>
+                <a:sym typeface="Arial"/>
               </a:defRPr>
             </a:pPr>
             <a:r>
@@ -34480,9 +34470,9 @@
             </a:r>
           </a:p>
           <a:p>
-            <a:pPr marL="457200" indent="-317500" defTabSz="457200">
+            <a:pPr marL="527755" indent="-388055" defTabSz="457200">
               <a:lnSpc>
-                <a:spcPts val="2300"/>
+                <a:spcPts val="1700"/>
               </a:lnSpc>
               <a:spcBef>
                 <a:spcPts val="0"/>
@@ -34493,14 +34483,14 @@
               <a:buSzPct val="100000"/>
               <a:buFont typeface="Menlo"/>
               <a:buChar char="•"/>
-              <a:defRPr b="0" sz="900">
-                <a:solidFill>
-                  <a:srgbClr val="333333"/>
-                </a:solidFill>
-                <a:latin typeface="Menlo"/>
-                <a:ea typeface="Menlo"/>
-                <a:cs typeface="Menlo"/>
-                <a:sym typeface="Menlo"/>
+              <a:defRPr b="0" sz="1100">
+                <a:solidFill>
+                  <a:srgbClr val="5C2699"/>
+                </a:solidFill>
+                <a:latin typeface="Arial"/>
+                <a:ea typeface="Arial"/>
+                <a:cs typeface="Arial"/>
+                <a:sym typeface="Arial"/>
               </a:defRPr>
             </a:pPr>
             <a:r>
@@ -34508,9 +34498,9 @@
             </a:r>
           </a:p>
           <a:p>
-            <a:pPr marL="457200" indent="-317500" defTabSz="457200">
+            <a:pPr marL="527755" indent="-388055" defTabSz="457200">
               <a:lnSpc>
-                <a:spcPts val="2300"/>
+                <a:spcPts val="1700"/>
               </a:lnSpc>
               <a:spcBef>
                 <a:spcPts val="0"/>
@@ -34521,14 +34511,14 @@
               <a:buSzPct val="100000"/>
               <a:buFont typeface="Menlo"/>
               <a:buChar char="•"/>
-              <a:defRPr b="0" sz="900">
-                <a:solidFill>
-                  <a:srgbClr val="333333"/>
-                </a:solidFill>
-                <a:latin typeface="Menlo"/>
-                <a:ea typeface="Menlo"/>
-                <a:cs typeface="Menlo"/>
-                <a:sym typeface="Menlo"/>
+              <a:defRPr b="0" sz="1100">
+                <a:solidFill>
+                  <a:srgbClr val="5C2699"/>
+                </a:solidFill>
+                <a:latin typeface="Arial"/>
+                <a:ea typeface="Arial"/>
+                <a:cs typeface="Arial"/>
+                <a:sym typeface="Arial"/>
               </a:defRPr>
             </a:pPr>
             <a:r>
@@ -34558,9 +34548,9 @@
             </a:r>
           </a:p>
           <a:p>
-            <a:pPr marL="457200" indent="-317500" defTabSz="457200">
+            <a:pPr marL="527755" indent="-388055" defTabSz="457200">
               <a:lnSpc>
-                <a:spcPts val="2300"/>
+                <a:spcPts val="1700"/>
               </a:lnSpc>
               <a:spcBef>
                 <a:spcPts val="0"/>
@@ -34571,14 +34561,14 @@
               <a:buSzPct val="100000"/>
               <a:buFont typeface="Menlo"/>
               <a:buChar char="•"/>
-              <a:defRPr b="0" sz="900">
-                <a:solidFill>
-                  <a:srgbClr val="333333"/>
-                </a:solidFill>
-                <a:latin typeface="Menlo"/>
-                <a:ea typeface="Menlo"/>
-                <a:cs typeface="Menlo"/>
-                <a:sym typeface="Menlo"/>
+              <a:defRPr b="0" sz="1100">
+                <a:solidFill>
+                  <a:srgbClr val="5C2699"/>
+                </a:solidFill>
+                <a:latin typeface="Arial"/>
+                <a:ea typeface="Arial"/>
+                <a:cs typeface="Arial"/>
+                <a:sym typeface="Arial"/>
               </a:defRPr>
             </a:pPr>
             <a:r>
@@ -34605,9 +34595,9 @@
             </a:r>
           </a:p>
           <a:p>
-            <a:pPr marL="457200" indent="-317500" defTabSz="457200">
+            <a:pPr marL="527755" indent="-388055" defTabSz="457200">
               <a:lnSpc>
-                <a:spcPts val="2300"/>
+                <a:spcPts val="1700"/>
               </a:lnSpc>
               <a:spcBef>
                 <a:spcPts val="0"/>
@@ -34618,14 +34608,14 @@
               <a:buSzPct val="100000"/>
               <a:buFont typeface="Menlo"/>
               <a:buChar char="•"/>
-              <a:defRPr b="0" sz="900">
-                <a:solidFill>
-                  <a:srgbClr val="333333"/>
-                </a:solidFill>
-                <a:latin typeface="Menlo"/>
-                <a:ea typeface="Menlo"/>
-                <a:cs typeface="Menlo"/>
-                <a:sym typeface="Menlo"/>
+              <a:defRPr b="0" sz="1100">
+                <a:solidFill>
+                  <a:srgbClr val="5C2699"/>
+                </a:solidFill>
+                <a:latin typeface="Arial"/>
+                <a:ea typeface="Arial"/>
+                <a:cs typeface="Arial"/>
+                <a:sym typeface="Arial"/>
               </a:defRPr>
             </a:pPr>
             <a:r>
@@ -34633,9 +34623,9 @@
             </a:r>
           </a:p>
           <a:p>
-            <a:pPr marL="457200" indent="-317500" defTabSz="457200">
+            <a:pPr marL="527755" indent="-388055" defTabSz="457200">
               <a:lnSpc>
-                <a:spcPts val="2300"/>
+                <a:spcPts val="1700"/>
               </a:lnSpc>
               <a:spcBef>
                 <a:spcPts val="0"/>
@@ -34646,14 +34636,14 @@
               <a:buSzPct val="100000"/>
               <a:buFont typeface="Menlo"/>
               <a:buChar char="•"/>
-              <a:defRPr b="0" sz="900">
-                <a:solidFill>
-                  <a:srgbClr val="333333"/>
-                </a:solidFill>
-                <a:latin typeface="Menlo"/>
-                <a:ea typeface="Menlo"/>
-                <a:cs typeface="Menlo"/>
-                <a:sym typeface="Menlo"/>
+              <a:defRPr b="0" sz="1100">
+                <a:solidFill>
+                  <a:srgbClr val="5C2699"/>
+                </a:solidFill>
+                <a:latin typeface="Arial"/>
+                <a:ea typeface="Arial"/>
+                <a:cs typeface="Arial"/>
+                <a:sym typeface="Arial"/>
               </a:defRPr>
             </a:pPr>
             <a:r>
@@ -34671,7 +34661,7 @@
         <p:spPr>
           <a:xfrm>
             <a:off x="4978192" y="1032451"/>
-            <a:ext cx="2901031" cy="1539241"/>
+            <a:ext cx="2506728" cy="2020965"/>
           </a:xfrm>
           <a:prstGeom prst="rect">
             <a:avLst/>
@@ -34691,9 +34681,9 @@
           </a:bodyPr>
           <a:lstStyle/>
           <a:p>
-            <a:pPr marL="457200" indent="-317500" defTabSz="457200">
+            <a:pPr marL="527755" indent="-388055" defTabSz="457200">
               <a:lnSpc>
-                <a:spcPts val="2300"/>
+                <a:spcPts val="1700"/>
               </a:lnSpc>
               <a:spcBef>
                 <a:spcPts val="0"/>
@@ -34704,14 +34694,14 @@
               <a:buSzPct val="100000"/>
               <a:buFont typeface="Menlo"/>
               <a:buChar char="•"/>
-              <a:defRPr b="0" sz="900">
-                <a:solidFill>
-                  <a:srgbClr val="3F6E74"/>
-                </a:solidFill>
-                <a:latin typeface="Menlo"/>
-                <a:ea typeface="Menlo"/>
-                <a:cs typeface="Menlo"/>
-                <a:sym typeface="Menlo"/>
+              <a:defRPr b="0" sz="1100">
+                <a:solidFill>
+                  <a:srgbClr val="5C2699"/>
+                </a:solidFill>
+                <a:latin typeface="Arial"/>
+                <a:ea typeface="Arial"/>
+                <a:cs typeface="Arial"/>
+                <a:sym typeface="Arial"/>
               </a:defRPr>
             </a:pPr>
             <a:r>
@@ -34759,9 +34749,9 @@
             </a:endParaRPr>
           </a:p>
           <a:p>
-            <a:pPr marL="457200" indent="-317500" defTabSz="457200">
+            <a:pPr marL="527755" indent="-388055" defTabSz="457200">
               <a:lnSpc>
-                <a:spcPts val="2300"/>
+                <a:spcPts val="1700"/>
               </a:lnSpc>
               <a:spcBef>
                 <a:spcPts val="0"/>
@@ -34772,14 +34762,14 @@
               <a:buSzPct val="100000"/>
               <a:buFont typeface="Menlo"/>
               <a:buChar char="•"/>
-              <a:defRPr b="0" sz="900">
-                <a:solidFill>
-                  <a:srgbClr val="007400"/>
-                </a:solidFill>
-                <a:latin typeface="Menlo"/>
-                <a:ea typeface="Menlo"/>
-                <a:cs typeface="Menlo"/>
-                <a:sym typeface="Menlo"/>
+              <a:defRPr b="0" sz="1100">
+                <a:solidFill>
+                  <a:srgbClr val="5C2699"/>
+                </a:solidFill>
+                <a:latin typeface="Arial"/>
+                <a:ea typeface="Arial"/>
+                <a:cs typeface="Arial"/>
+                <a:sym typeface="Arial"/>
               </a:defRPr>
             </a:pPr>
             <a:r>
@@ -34792,9 +34782,9 @@
             </a:endParaRPr>
           </a:p>
           <a:p>
-            <a:pPr marL="457200" indent="-317500" defTabSz="457200">
+            <a:pPr marL="527755" indent="-388055" defTabSz="457200">
               <a:lnSpc>
-                <a:spcPts val="2300"/>
+                <a:spcPts val="1700"/>
               </a:lnSpc>
               <a:spcBef>
                 <a:spcPts val="0"/>
@@ -34805,14 +34795,14 @@
               <a:buSzPct val="100000"/>
               <a:buFont typeface="Menlo"/>
               <a:buChar char="•"/>
-              <a:defRPr b="0" sz="900">
-                <a:solidFill>
-                  <a:srgbClr val="3F6E74"/>
-                </a:solidFill>
-                <a:latin typeface="Menlo"/>
-                <a:ea typeface="Menlo"/>
-                <a:cs typeface="Menlo"/>
-                <a:sym typeface="Menlo"/>
+              <a:defRPr b="0" sz="1100">
+                <a:solidFill>
+                  <a:srgbClr val="5C2699"/>
+                </a:solidFill>
+                <a:latin typeface="Arial"/>
+                <a:ea typeface="Arial"/>
+                <a:cs typeface="Arial"/>
+                <a:sym typeface="Arial"/>
               </a:defRPr>
             </a:pPr>
             <a:r>
@@ -34844,9 +34834,9 @@
             </a:endParaRPr>
           </a:p>
           <a:p>
-            <a:pPr marL="457200" indent="-317500" defTabSz="457200">
+            <a:pPr marL="527755" indent="-388055" defTabSz="457200">
               <a:lnSpc>
-                <a:spcPts val="2300"/>
+                <a:spcPts val="1700"/>
               </a:lnSpc>
               <a:spcBef>
                 <a:spcPts val="0"/>
@@ -34857,14 +34847,14 @@
               <a:buSzPct val="100000"/>
               <a:buFont typeface="Menlo"/>
               <a:buChar char="•"/>
-              <a:defRPr b="0" sz="900">
-                <a:solidFill>
-                  <a:srgbClr val="007400"/>
-                </a:solidFill>
-                <a:latin typeface="Menlo"/>
-                <a:ea typeface="Menlo"/>
-                <a:cs typeface="Menlo"/>
-                <a:sym typeface="Menlo"/>
+              <a:defRPr b="0" sz="1100">
+                <a:solidFill>
+                  <a:srgbClr val="5C2699"/>
+                </a:solidFill>
+                <a:latin typeface="Arial"/>
+                <a:ea typeface="Arial"/>
+                <a:cs typeface="Arial"/>
+                <a:sym typeface="Arial"/>
               </a:defRPr>
             </a:pPr>
             <a:r>
@@ -34877,9 +34867,9 @@
             </a:endParaRPr>
           </a:p>
           <a:p>
-            <a:pPr marL="457200" indent="-317500" defTabSz="457200">
+            <a:pPr marL="527755" indent="-388055" defTabSz="457200">
               <a:lnSpc>
-                <a:spcPts val="2300"/>
+                <a:spcPts val="1700"/>
               </a:lnSpc>
               <a:spcBef>
                 <a:spcPts val="0"/>
@@ -34890,14 +34880,14 @@
               <a:buSzPct val="100000"/>
               <a:buFont typeface="Menlo"/>
               <a:buChar char="•"/>
-              <a:defRPr b="0" sz="900">
-                <a:solidFill>
-                  <a:srgbClr val="3F6E74"/>
-                </a:solidFill>
-                <a:latin typeface="Menlo"/>
-                <a:ea typeface="Menlo"/>
-                <a:cs typeface="Menlo"/>
-                <a:sym typeface="Menlo"/>
+              <a:defRPr b="0" sz="1100">
+                <a:solidFill>
+                  <a:srgbClr val="5C2699"/>
+                </a:solidFill>
+                <a:latin typeface="Arial"/>
+                <a:ea typeface="Arial"/>
+                <a:cs typeface="Arial"/>
+                <a:sym typeface="Arial"/>
               </a:defRPr>
             </a:pPr>
             <a:r>
@@ -34956,9 +34946,9 @@
             </a:endParaRPr>
           </a:p>
           <a:p>
-            <a:pPr marL="457200" indent="-317500" defTabSz="457200">
+            <a:pPr marL="527755" indent="-388055" defTabSz="457200">
               <a:lnSpc>
-                <a:spcPts val="2300"/>
+                <a:spcPts val="1700"/>
               </a:lnSpc>
               <a:spcBef>
                 <a:spcPts val="0"/>
@@ -34969,14 +34959,14 @@
               <a:buSzPct val="100000"/>
               <a:buFont typeface="Menlo"/>
               <a:buChar char="•"/>
-              <a:defRPr b="0" sz="900">
-                <a:solidFill>
-                  <a:srgbClr val="007400"/>
-                </a:solidFill>
-                <a:latin typeface="Menlo"/>
-                <a:ea typeface="Menlo"/>
-                <a:cs typeface="Menlo"/>
-                <a:sym typeface="Menlo"/>
+              <a:defRPr b="0" sz="1100">
+                <a:solidFill>
+                  <a:srgbClr val="5C2699"/>
+                </a:solidFill>
+                <a:latin typeface="Arial"/>
+                <a:ea typeface="Arial"/>
+                <a:cs typeface="Arial"/>
+                <a:sym typeface="Arial"/>
               </a:defRPr>
             </a:pPr>
             <a:r>
@@ -34989,9 +34979,9 @@
             </a:endParaRPr>
           </a:p>
           <a:p>
-            <a:pPr marL="457200" indent="-317500" defTabSz="457200">
+            <a:pPr marL="527755" indent="-388055" defTabSz="457200">
               <a:lnSpc>
-                <a:spcPts val="2300"/>
+                <a:spcPts val="1700"/>
               </a:lnSpc>
               <a:spcBef>
                 <a:spcPts val="0"/>
@@ -35002,14 +34992,14 @@
               <a:buSzPct val="100000"/>
               <a:buFont typeface="Menlo"/>
               <a:buChar char="•"/>
-              <a:defRPr b="0" sz="900">
-                <a:solidFill>
-                  <a:srgbClr val="3F6E74"/>
-                </a:solidFill>
-                <a:latin typeface="Menlo"/>
-                <a:ea typeface="Menlo"/>
-                <a:cs typeface="Menlo"/>
-                <a:sym typeface="Menlo"/>
+              <a:defRPr b="0" sz="1100">
+                <a:solidFill>
+                  <a:srgbClr val="5C2699"/>
+                </a:solidFill>
+                <a:latin typeface="Arial"/>
+                <a:ea typeface="Arial"/>
+                <a:cs typeface="Arial"/>
+                <a:sym typeface="Arial"/>
               </a:defRPr>
             </a:pPr>
             <a:r>
@@ -35041,9 +35031,9 @@
             </a:endParaRPr>
           </a:p>
           <a:p>
-            <a:pPr marL="457200" indent="-317500" defTabSz="457200">
+            <a:pPr marL="527755" indent="-388055" defTabSz="457200">
               <a:lnSpc>
-                <a:spcPts val="2300"/>
+                <a:spcPts val="1700"/>
               </a:lnSpc>
               <a:spcBef>
                 <a:spcPts val="0"/>
@@ -35054,14 +35044,14 @@
               <a:buSzPct val="100000"/>
               <a:buFont typeface="Menlo"/>
               <a:buChar char="•"/>
-              <a:defRPr b="0" sz="900">
-                <a:solidFill>
-                  <a:srgbClr val="007400"/>
-                </a:solidFill>
-                <a:latin typeface="Menlo"/>
-                <a:ea typeface="Menlo"/>
-                <a:cs typeface="Menlo"/>
-                <a:sym typeface="Menlo"/>
+              <a:defRPr b="0" sz="1100">
+                <a:solidFill>
+                  <a:srgbClr val="5C2699"/>
+                </a:solidFill>
+                <a:latin typeface="Arial"/>
+                <a:ea typeface="Arial"/>
+                <a:cs typeface="Arial"/>
+                <a:sym typeface="Arial"/>
               </a:defRPr>
             </a:pPr>
             <a:r>
@@ -35262,8 +35252,8 @@
         </p:nvSpPr>
         <p:spPr>
           <a:xfrm>
-            <a:off x="856936" y="1468418"/>
-            <a:ext cx="2090550" cy="802641"/>
+            <a:off x="861197" y="1468418"/>
+            <a:ext cx="1726653" cy="941466"/>
           </a:xfrm>
           <a:prstGeom prst="rect">
             <a:avLst/>
@@ -35283,9 +35273,9 @@
           </a:bodyPr>
           <a:lstStyle/>
           <a:p>
-            <a:pPr marL="457200" indent="-317500" defTabSz="457200">
+            <a:pPr marL="488950" indent="-349250" defTabSz="457200">
               <a:lnSpc>
-                <a:spcPts val="2700"/>
+                <a:spcPts val="1700"/>
               </a:lnSpc>
               <a:spcBef>
                 <a:spcPts val="0"/>
@@ -35296,14 +35286,14 @@
               <a:buSzPct val="100000"/>
               <a:buFont typeface="Menlo"/>
               <a:buChar char="•"/>
-              <a:defRPr b="0" sz="1000">
-                <a:solidFill>
-                  <a:srgbClr val="3F6E74"/>
-                </a:solidFill>
-                <a:latin typeface="Menlo"/>
-                <a:ea typeface="Menlo"/>
-                <a:cs typeface="Menlo"/>
-                <a:sym typeface="Menlo"/>
+              <a:defRPr b="0" sz="1100">
+                <a:solidFill>
+                  <a:srgbClr val="5C2699"/>
+                </a:solidFill>
+                <a:latin typeface="Arial"/>
+                <a:ea typeface="Arial"/>
+                <a:cs typeface="Arial"/>
+                <a:sym typeface="Arial"/>
               </a:defRPr>
             </a:pPr>
             <a:r>
@@ -35340,9 +35330,9 @@
             </a:endParaRPr>
           </a:p>
           <a:p>
-            <a:pPr marL="457200" indent="-317500" defTabSz="457200">
+            <a:pPr marL="488950" indent="-349250" defTabSz="457200">
               <a:lnSpc>
-                <a:spcPts val="2700"/>
+                <a:spcPts val="1700"/>
               </a:lnSpc>
               <a:spcBef>
                 <a:spcPts val="0"/>
@@ -35353,14 +35343,14 @@
               <a:buSzPct val="100000"/>
               <a:buFont typeface="Menlo"/>
               <a:buChar char="•"/>
-              <a:defRPr b="0" sz="1000">
-                <a:solidFill>
-                  <a:srgbClr val="333333"/>
-                </a:solidFill>
-                <a:latin typeface="Menlo"/>
-                <a:ea typeface="Menlo"/>
-                <a:cs typeface="Menlo"/>
-                <a:sym typeface="Menlo"/>
+              <a:defRPr b="0" sz="1100">
+                <a:solidFill>
+                  <a:srgbClr val="5C2699"/>
+                </a:solidFill>
+                <a:latin typeface="Arial"/>
+                <a:ea typeface="Arial"/>
+                <a:cs typeface="Arial"/>
+                <a:sym typeface="Arial"/>
               </a:defRPr>
             </a:pPr>
             <a:r>
@@ -35398,9 +35388,9 @@
             </a:r>
           </a:p>
           <a:p>
-            <a:pPr marL="457200" indent="-317500" defTabSz="457200">
+            <a:pPr marL="488950" indent="-349250" defTabSz="457200">
               <a:lnSpc>
-                <a:spcPts val="2700"/>
+                <a:spcPts val="1700"/>
               </a:lnSpc>
               <a:spcBef>
                 <a:spcPts val="0"/>
@@ -35411,14 +35401,14 @@
               <a:buSzPct val="100000"/>
               <a:buFont typeface="Menlo"/>
               <a:buChar char="•"/>
-              <a:defRPr b="0" sz="1000">
-                <a:solidFill>
-                  <a:srgbClr val="333333"/>
-                </a:solidFill>
-                <a:latin typeface="Menlo"/>
-                <a:ea typeface="Menlo"/>
-                <a:cs typeface="Menlo"/>
-                <a:sym typeface="Menlo"/>
+              <a:defRPr b="0" sz="1100">
+                <a:solidFill>
+                  <a:srgbClr val="5C2699"/>
+                </a:solidFill>
+                <a:latin typeface="Arial"/>
+                <a:ea typeface="Arial"/>
+                <a:cs typeface="Arial"/>
+                <a:sym typeface="Arial"/>
               </a:defRPr>
             </a:pPr>
             <a:r>
@@ -35429,14 +35419,14 @@
       </p:sp>
       <p:sp>
         <p:nvSpPr>
-          <p:cNvPr id="693" name="truct Point {…"/>
+          <p:cNvPr id="693" name="struct Point {…"/>
           <p:cNvSpPr txBox="1"/>
           <p:nvPr/>
         </p:nvSpPr>
         <p:spPr>
           <a:xfrm>
-            <a:off x="866928" y="2418828"/>
-            <a:ext cx="5684191" cy="2326641"/>
+            <a:off x="854145" y="2316565"/>
+            <a:ext cx="4302986" cy="2452766"/>
           </a:xfrm>
           <a:prstGeom prst="rect">
             <a:avLst/>
@@ -35456,9 +35446,9 @@
           </a:bodyPr>
           <a:lstStyle/>
           <a:p>
-            <a:pPr marL="457200" indent="-317500" defTabSz="457200">
+            <a:pPr marL="488950" indent="-349250" defTabSz="457200">
               <a:lnSpc>
-                <a:spcPts val="2700"/>
+                <a:spcPts val="1700"/>
               </a:lnSpc>
               <a:spcBef>
                 <a:spcPts val="0"/>
@@ -35469,18 +35459,18 @@
               <a:buSzPct val="100000"/>
               <a:buFont typeface="Menlo"/>
               <a:buChar char="•"/>
-              <a:defRPr b="0" sz="1000">
-                <a:solidFill>
-                  <a:srgbClr val="AA0D91"/>
-                </a:solidFill>
-                <a:latin typeface="Menlo"/>
-                <a:ea typeface="Menlo"/>
-                <a:cs typeface="Menlo"/>
-                <a:sym typeface="Menlo"/>
+              <a:defRPr b="0" sz="1100">
+                <a:solidFill>
+                  <a:srgbClr val="5C2699"/>
+                </a:solidFill>
+                <a:latin typeface="Arial"/>
+                <a:ea typeface="Arial"/>
+                <a:cs typeface="Arial"/>
+                <a:sym typeface="Arial"/>
               </a:defRPr>
             </a:pPr>
             <a:r>
-              <a:t>truct</a:t>
+              <a:t>struct</a:t>
             </a:r>
             <a:r>
               <a:rPr>
@@ -35513,9 +35503,9 @@
             </a:endParaRPr>
           </a:p>
           <a:p>
-            <a:pPr marL="457200" indent="-317500" defTabSz="457200">
+            <a:pPr marL="488950" indent="-349250" defTabSz="457200">
               <a:lnSpc>
-                <a:spcPts val="2700"/>
+                <a:spcPts val="1700"/>
               </a:lnSpc>
               <a:spcBef>
                 <a:spcPts val="0"/>
@@ -35526,14 +35516,14 @@
               <a:buSzPct val="100000"/>
               <a:buFont typeface="Menlo"/>
               <a:buChar char="•"/>
-              <a:defRPr b="0" sz="1000">
-                <a:solidFill>
-                  <a:srgbClr val="333333"/>
-                </a:solidFill>
-                <a:latin typeface="Menlo"/>
-                <a:ea typeface="Menlo"/>
-                <a:cs typeface="Menlo"/>
-                <a:sym typeface="Menlo"/>
+              <a:defRPr b="0" sz="1100">
+                <a:solidFill>
+                  <a:srgbClr val="5C2699"/>
+                </a:solidFill>
+                <a:latin typeface="Arial"/>
+                <a:ea typeface="Arial"/>
+                <a:cs typeface="Arial"/>
+                <a:sym typeface="Arial"/>
               </a:defRPr>
             </a:pPr>
             <a:r>
@@ -35593,9 +35583,9 @@
             </a:r>
           </a:p>
           <a:p>
-            <a:pPr marL="457200" indent="-317500" defTabSz="457200">
+            <a:pPr marL="488950" indent="-349250" defTabSz="457200">
               <a:lnSpc>
-                <a:spcPts val="2700"/>
+                <a:spcPts val="1700"/>
               </a:lnSpc>
               <a:spcBef>
                 <a:spcPts val="0"/>
@@ -35606,14 +35596,14 @@
               <a:buSzPct val="100000"/>
               <a:buFont typeface="Menlo"/>
               <a:buChar char="•"/>
-              <a:defRPr b="0" sz="1000">
-                <a:solidFill>
-                  <a:srgbClr val="3F6E74"/>
-                </a:solidFill>
-                <a:latin typeface="Menlo"/>
-                <a:ea typeface="Menlo"/>
-                <a:cs typeface="Menlo"/>
-                <a:sym typeface="Menlo"/>
+              <a:defRPr b="0" sz="1100">
+                <a:solidFill>
+                  <a:srgbClr val="5C2699"/>
+                </a:solidFill>
+                <a:latin typeface="Arial"/>
+                <a:ea typeface="Arial"/>
+                <a:cs typeface="Arial"/>
+                <a:sym typeface="Arial"/>
               </a:defRPr>
             </a:pPr>
             <a:r>
@@ -35663,11 +35653,6 @@
               <a:t>: </a:t>
             </a:r>
             <a:r>
-              <a:rPr>
-                <a:solidFill>
-                  <a:srgbClr val="5C2699"/>
-                </a:solidFill>
-              </a:rPr>
               <a:t>Double</a:t>
             </a:r>
             <a:r>
@@ -35679,11 +35664,6 @@
               <a:t>) -&gt; </a:t>
             </a:r>
             <a:r>
-              <a:rPr>
-                <a:solidFill>
-                  <a:srgbClr val="5C2699"/>
-                </a:solidFill>
-              </a:rPr>
               <a:t>Bool</a:t>
             </a:r>
             <a:r>
@@ -35701,9 +35681,9 @@
             </a:endParaRPr>
           </a:p>
           <a:p>
-            <a:pPr marL="457200" indent="-317500" defTabSz="457200">
+            <a:pPr marL="488950" indent="-349250" defTabSz="457200">
               <a:lnSpc>
-                <a:spcPts val="2700"/>
+                <a:spcPts val="1700"/>
               </a:lnSpc>
               <a:spcBef>
                 <a:spcPts val="0"/>
@@ -35714,14 +35694,14 @@
               <a:buSzPct val="100000"/>
               <a:buFont typeface="Menlo"/>
               <a:buChar char="•"/>
-              <a:defRPr b="0" sz="1000">
-                <a:solidFill>
-                  <a:srgbClr val="333333"/>
-                </a:solidFill>
-                <a:latin typeface="Menlo"/>
-                <a:ea typeface="Menlo"/>
-                <a:cs typeface="Menlo"/>
-                <a:sym typeface="Menlo"/>
+              <a:defRPr b="0" sz="1100">
+                <a:solidFill>
+                  <a:srgbClr val="5C2699"/>
+                </a:solidFill>
+                <a:latin typeface="Arial"/>
+                <a:ea typeface="Arial"/>
+                <a:cs typeface="Arial"/>
+                <a:sym typeface="Arial"/>
               </a:defRPr>
             </a:pPr>
             <a:r>
@@ -35770,9 +35750,9 @@
             </a:r>
           </a:p>
           <a:p>
-            <a:pPr marL="457200" indent="-317500" defTabSz="457200">
+            <a:pPr marL="488950" indent="-349250" defTabSz="457200">
               <a:lnSpc>
-                <a:spcPts val="2700"/>
+                <a:spcPts val="1700"/>
               </a:lnSpc>
               <a:spcBef>
                 <a:spcPts val="0"/>
@@ -35783,14 +35763,14 @@
               <a:buSzPct val="100000"/>
               <a:buFont typeface="Menlo"/>
               <a:buChar char="•"/>
-              <a:defRPr b="0" sz="1000">
-                <a:solidFill>
-                  <a:srgbClr val="333333"/>
-                </a:solidFill>
-                <a:latin typeface="Menlo"/>
-                <a:ea typeface="Menlo"/>
-                <a:cs typeface="Menlo"/>
-                <a:sym typeface="Menlo"/>
+              <a:defRPr b="0" sz="1100">
+                <a:solidFill>
+                  <a:srgbClr val="5C2699"/>
+                </a:solidFill>
+                <a:latin typeface="Arial"/>
+                <a:ea typeface="Arial"/>
+                <a:cs typeface="Arial"/>
+                <a:sym typeface="Arial"/>
               </a:defRPr>
             </a:pPr>
             <a:r>
@@ -35798,9 +35778,9 @@
             </a:r>
           </a:p>
           <a:p>
-            <a:pPr marL="457200" indent="-317500" defTabSz="457200">
+            <a:pPr marL="488950" indent="-349250" defTabSz="457200">
               <a:lnSpc>
-                <a:spcPts val="2700"/>
+                <a:spcPts val="1700"/>
               </a:lnSpc>
               <a:spcBef>
                 <a:spcPts val="0"/>
@@ -35811,14 +35791,14 @@
               <a:buSzPct val="100000"/>
               <a:buFont typeface="Menlo"/>
               <a:buChar char="•"/>
-              <a:defRPr b="0" sz="1000">
-                <a:solidFill>
-                  <a:srgbClr val="333333"/>
-                </a:solidFill>
-                <a:latin typeface="Menlo"/>
-                <a:ea typeface="Menlo"/>
-                <a:cs typeface="Menlo"/>
-                <a:sym typeface="Menlo"/>
+              <a:defRPr b="0" sz="1100">
+                <a:solidFill>
+                  <a:srgbClr val="5C2699"/>
+                </a:solidFill>
+                <a:latin typeface="Arial"/>
+                <a:ea typeface="Arial"/>
+                <a:cs typeface="Arial"/>
+                <a:sym typeface="Arial"/>
               </a:defRPr>
             </a:pPr>
             <a:r>
@@ -35826,9 +35806,9 @@
             </a:r>
           </a:p>
           <a:p>
-            <a:pPr marL="457200" indent="-317500" defTabSz="457200">
+            <a:pPr marL="488950" indent="-349250" defTabSz="457200">
               <a:lnSpc>
-                <a:spcPts val="2700"/>
+                <a:spcPts val="1700"/>
               </a:lnSpc>
               <a:spcBef>
                 <a:spcPts val="0"/>
@@ -35839,14 +35819,14 @@
               <a:buSzPct val="100000"/>
               <a:buFont typeface="Menlo"/>
               <a:buChar char="•"/>
-              <a:defRPr b="0" sz="1000">
-                <a:solidFill>
-                  <a:srgbClr val="3F6E74"/>
-                </a:solidFill>
-                <a:latin typeface="Menlo"/>
-                <a:ea typeface="Menlo"/>
-                <a:cs typeface="Menlo"/>
-                <a:sym typeface="Menlo"/>
+              <a:defRPr b="0" sz="1100">
+                <a:solidFill>
+                  <a:srgbClr val="5C2699"/>
+                </a:solidFill>
+                <a:latin typeface="Arial"/>
+                <a:ea typeface="Arial"/>
+                <a:cs typeface="Arial"/>
+                <a:sym typeface="Arial"/>
               </a:defRPr>
             </a:pPr>
             <a:r>
@@ -35948,9 +35928,9 @@
             </a:endParaRPr>
           </a:p>
           <a:p>
-            <a:pPr marL="457200" indent="-317500" defTabSz="457200">
+            <a:pPr marL="488950" indent="-349250" defTabSz="457200">
               <a:lnSpc>
-                <a:spcPts val="2700"/>
+                <a:spcPts val="1700"/>
               </a:lnSpc>
               <a:spcBef>
                 <a:spcPts val="0"/>
@@ -35961,14 +35941,14 @@
               <a:buSzPct val="100000"/>
               <a:buFont typeface="Menlo"/>
               <a:buChar char="•"/>
-              <a:defRPr b="0" sz="1000">
-                <a:solidFill>
-                  <a:srgbClr val="3F6E74"/>
-                </a:solidFill>
-                <a:latin typeface="Menlo"/>
-                <a:ea typeface="Menlo"/>
-                <a:cs typeface="Menlo"/>
-                <a:sym typeface="Menlo"/>
+              <a:defRPr b="0" sz="1100">
+                <a:solidFill>
+                  <a:srgbClr val="5C2699"/>
+                </a:solidFill>
+                <a:latin typeface="Arial"/>
+                <a:ea typeface="Arial"/>
+                <a:cs typeface="Arial"/>
+                <a:sym typeface="Arial"/>
               </a:defRPr>
             </a:pPr>
             <a:r>
@@ -36043,9 +36023,9 @@
             </a:endParaRPr>
           </a:p>
           <a:p>
-            <a:pPr marL="457200" indent="-317500" defTabSz="457200">
+            <a:pPr marL="488950" indent="-349250" defTabSz="457200">
               <a:lnSpc>
-                <a:spcPts val="2700"/>
+                <a:spcPts val="1700"/>
               </a:lnSpc>
               <a:spcBef>
                 <a:spcPts val="0"/>
@@ -36056,14 +36036,14 @@
               <a:buSzPct val="100000"/>
               <a:buFont typeface="Menlo"/>
               <a:buChar char="•"/>
-              <a:defRPr b="0" sz="1000">
-                <a:solidFill>
-                  <a:srgbClr val="C41A16"/>
-                </a:solidFill>
-                <a:latin typeface="Menlo"/>
-                <a:ea typeface="Menlo"/>
-                <a:cs typeface="Menlo"/>
-                <a:sym typeface="Menlo"/>
+              <a:defRPr b="0" sz="1100">
+                <a:solidFill>
+                  <a:srgbClr val="5C2699"/>
+                </a:solidFill>
+                <a:latin typeface="Arial"/>
+                <a:ea typeface="Arial"/>
+                <a:cs typeface="Arial"/>
+                <a:sym typeface="Arial"/>
               </a:defRPr>
             </a:pPr>
             <a:r>
@@ -36108,9 +36088,9 @@
             </a:endParaRPr>
           </a:p>
           <a:p>
-            <a:pPr marL="457200" indent="-317500" defTabSz="457200">
+            <a:pPr marL="488950" indent="-349250" defTabSz="457200">
               <a:lnSpc>
-                <a:spcPts val="2700"/>
+                <a:spcPts val="1700"/>
               </a:lnSpc>
               <a:spcBef>
                 <a:spcPts val="0"/>
@@ -36121,14 +36101,14 @@
               <a:buSzPct val="100000"/>
               <a:buFont typeface="Menlo"/>
               <a:buChar char="•"/>
-              <a:defRPr b="0" sz="1000">
-                <a:solidFill>
-                  <a:srgbClr val="333333"/>
-                </a:solidFill>
-                <a:latin typeface="Menlo"/>
-                <a:ea typeface="Menlo"/>
-                <a:cs typeface="Menlo"/>
-                <a:sym typeface="Menlo"/>
+              <a:defRPr b="0" sz="1100">
+                <a:solidFill>
+                  <a:srgbClr val="5C2699"/>
+                </a:solidFill>
+                <a:latin typeface="Arial"/>
+                <a:ea typeface="Arial"/>
+                <a:cs typeface="Arial"/>
+                <a:sym typeface="Arial"/>
               </a:defRPr>
             </a:pPr>
             <a:r>
@@ -36136,9 +36116,9 @@
             </a:r>
           </a:p>
           <a:p>
-            <a:pPr marL="457200" indent="-317500" defTabSz="457200">
+            <a:pPr marL="488950" indent="-349250" defTabSz="457200">
               <a:lnSpc>
-                <a:spcPts val="2700"/>
+                <a:spcPts val="1700"/>
               </a:lnSpc>
               <a:spcBef>
                 <a:spcPts val="0"/>
@@ -36149,24 +36129,19 @@
               <a:buSzPct val="100000"/>
               <a:buFont typeface="Menlo"/>
               <a:buChar char="•"/>
-              <a:defRPr b="0" sz="1000">
-                <a:solidFill>
-                  <a:srgbClr val="007400"/>
-                </a:solidFill>
-                <a:latin typeface="Menlo"/>
-                <a:ea typeface="Menlo"/>
-                <a:cs typeface="Menlo"/>
-                <a:sym typeface="Menlo"/>
+              <a:defRPr b="0" sz="1100">
+                <a:solidFill>
+                  <a:srgbClr val="5C2699"/>
+                </a:solidFill>
+                <a:latin typeface="Arial"/>
+                <a:ea typeface="Arial"/>
+                <a:cs typeface="Arial"/>
+                <a:sym typeface="Arial"/>
               </a:defRPr>
             </a:pPr>
             <a:r>
               <a:t>// Prints "This point is to the right of the line where x == 1.0"</a:t>
             </a:r>
-            <a:endParaRPr>
-              <a:solidFill>
-                <a:srgbClr val="333333"/>
-              </a:solidFill>
-            </a:endParaRPr>
           </a:p>
         </p:txBody>
       </p:sp>
@@ -36358,7 +36333,7 @@
         <p:spPr>
           <a:xfrm>
             <a:off x="877689" y="1468418"/>
-            <a:ext cx="4896648" cy="2034541"/>
+            <a:ext cx="4506729" cy="2668666"/>
           </a:xfrm>
           <a:prstGeom prst="rect">
             <a:avLst/>
@@ -36378,9 +36353,9 @@
           </a:bodyPr>
           <a:lstStyle/>
           <a:p>
-            <a:pPr marL="457200" indent="-317500" defTabSz="457200">
+            <a:pPr marL="527755" indent="-388055" defTabSz="457200">
               <a:lnSpc>
-                <a:spcPts val="2300"/>
+                <a:spcPts val="1700"/>
               </a:lnSpc>
               <a:spcBef>
                 <a:spcPts val="0"/>
@@ -36391,14 +36366,14 @@
               <a:buSzPct val="100000"/>
               <a:buFont typeface="Menlo"/>
               <a:buChar char="•"/>
-              <a:defRPr b="0" sz="900">
-                <a:solidFill>
-                  <a:srgbClr val="AA0D91"/>
-                </a:solidFill>
-                <a:latin typeface="Menlo"/>
-                <a:ea typeface="Menlo"/>
-                <a:cs typeface="Menlo"/>
-                <a:sym typeface="Menlo"/>
+              <a:defRPr b="0" sz="1100">
+                <a:solidFill>
+                  <a:srgbClr val="5C2699"/>
+                </a:solidFill>
+                <a:latin typeface="Arial"/>
+                <a:ea typeface="Arial"/>
+                <a:cs typeface="Arial"/>
+                <a:sym typeface="Arial"/>
               </a:defRPr>
             </a:pPr>
             <a:r>
@@ -36435,9 +36410,9 @@
             </a:endParaRPr>
           </a:p>
           <a:p>
-            <a:pPr marL="457200" indent="-317500" defTabSz="457200">
+            <a:pPr marL="527755" indent="-388055" defTabSz="457200">
               <a:lnSpc>
-                <a:spcPts val="2300"/>
+                <a:spcPts val="1700"/>
               </a:lnSpc>
               <a:spcBef>
                 <a:spcPts val="0"/>
@@ -36448,14 +36423,14 @@
               <a:buSzPct val="100000"/>
               <a:buFont typeface="Menlo"/>
               <a:buChar char="•"/>
-              <a:defRPr b="0" sz="900">
-                <a:solidFill>
-                  <a:srgbClr val="333333"/>
-                </a:solidFill>
-                <a:latin typeface="Menlo"/>
-                <a:ea typeface="Menlo"/>
-                <a:cs typeface="Menlo"/>
-                <a:sym typeface="Menlo"/>
+              <a:defRPr b="0" sz="1100">
+                <a:solidFill>
+                  <a:srgbClr val="5C2699"/>
+                </a:solidFill>
+                <a:latin typeface="Arial"/>
+                <a:ea typeface="Arial"/>
+                <a:cs typeface="Arial"/>
+                <a:sym typeface="Arial"/>
               </a:defRPr>
             </a:pPr>
             <a:r>
@@ -36515,9 +36490,9 @@
             </a:r>
           </a:p>
           <a:p>
-            <a:pPr marL="457200" indent="-317500" defTabSz="457200">
+            <a:pPr marL="527755" indent="-388055" defTabSz="457200">
               <a:lnSpc>
-                <a:spcPts val="2300"/>
+                <a:spcPts val="1700"/>
               </a:lnSpc>
               <a:spcBef>
                 <a:spcPts val="0"/>
@@ -36528,14 +36503,14 @@
               <a:buSzPct val="100000"/>
               <a:buFont typeface="Menlo"/>
               <a:buChar char="•"/>
-              <a:defRPr b="0" sz="900">
-                <a:solidFill>
-                  <a:srgbClr val="AA0D91"/>
-                </a:solidFill>
-                <a:latin typeface="Menlo"/>
-                <a:ea typeface="Menlo"/>
-                <a:cs typeface="Menlo"/>
-                <a:sym typeface="Menlo"/>
+              <a:defRPr b="0" sz="1100">
+                <a:solidFill>
+                  <a:srgbClr val="5C2699"/>
+                </a:solidFill>
+                <a:latin typeface="Arial"/>
+                <a:ea typeface="Arial"/>
+                <a:cs typeface="Arial"/>
+                <a:sym typeface="Arial"/>
               </a:defRPr>
             </a:pPr>
             <a:r>
@@ -36617,11 +36592,6 @@
               <a:t>: </a:t>
             </a:r>
             <a:r>
-              <a:rPr>
-                <a:solidFill>
-                  <a:srgbClr val="5C2699"/>
-                </a:solidFill>
-              </a:rPr>
               <a:t>Double</a:t>
             </a:r>
             <a:r>
@@ -36665,11 +36635,6 @@
               <a:t>: </a:t>
             </a:r>
             <a:r>
-              <a:rPr>
-                <a:solidFill>
-                  <a:srgbClr val="5C2699"/>
-                </a:solidFill>
-              </a:rPr>
               <a:t>Double</a:t>
             </a:r>
             <a:r>
@@ -36687,9 +36652,9 @@
             </a:endParaRPr>
           </a:p>
           <a:p>
-            <a:pPr marL="457200" indent="-317500" defTabSz="457200">
+            <a:pPr marL="527755" indent="-388055" defTabSz="457200">
               <a:lnSpc>
-                <a:spcPts val="2300"/>
+                <a:spcPts val="1700"/>
               </a:lnSpc>
               <a:spcBef>
                 <a:spcPts val="0"/>
@@ -36700,14 +36665,14 @@
               <a:buSzPct val="100000"/>
               <a:buFont typeface="Menlo"/>
               <a:buChar char="•"/>
-              <a:defRPr b="0" sz="900">
-                <a:solidFill>
-                  <a:srgbClr val="333333"/>
-                </a:solidFill>
-                <a:latin typeface="Menlo"/>
-                <a:ea typeface="Menlo"/>
-                <a:cs typeface="Menlo"/>
-                <a:sym typeface="Menlo"/>
+              <a:defRPr b="0" sz="1100">
+                <a:solidFill>
+                  <a:srgbClr val="5C2699"/>
+                </a:solidFill>
+                <a:latin typeface="Arial"/>
+                <a:ea typeface="Arial"/>
+                <a:cs typeface="Arial"/>
+                <a:sym typeface="Arial"/>
               </a:defRPr>
             </a:pPr>
             <a:r>
@@ -36734,9 +36699,9 @@
             </a:r>
           </a:p>
           <a:p>
-            <a:pPr marL="457200" indent="-317500" defTabSz="457200">
+            <a:pPr marL="527755" indent="-388055" defTabSz="457200">
               <a:lnSpc>
-                <a:spcPts val="2300"/>
+                <a:spcPts val="1700"/>
               </a:lnSpc>
               <a:spcBef>
                 <a:spcPts val="0"/>
@@ -36747,14 +36712,14 @@
               <a:buSzPct val="100000"/>
               <a:buFont typeface="Menlo"/>
               <a:buChar char="•"/>
-              <a:defRPr b="0" sz="900">
-                <a:solidFill>
-                  <a:srgbClr val="333333"/>
-                </a:solidFill>
-                <a:latin typeface="Menlo"/>
-                <a:ea typeface="Menlo"/>
-                <a:cs typeface="Menlo"/>
-                <a:sym typeface="Menlo"/>
+              <a:defRPr b="0" sz="1100">
+                <a:solidFill>
+                  <a:srgbClr val="5C2699"/>
+                </a:solidFill>
+                <a:latin typeface="Arial"/>
+                <a:ea typeface="Arial"/>
+                <a:cs typeface="Arial"/>
+                <a:sym typeface="Arial"/>
               </a:defRPr>
             </a:pPr>
             <a:r>
@@ -36781,9 +36746,9 @@
             </a:r>
           </a:p>
           <a:p>
-            <a:pPr marL="457200" indent="-317500" defTabSz="457200">
+            <a:pPr marL="527755" indent="-388055" defTabSz="457200">
               <a:lnSpc>
-                <a:spcPts val="2300"/>
+                <a:spcPts val="1700"/>
               </a:lnSpc>
               <a:spcBef>
                 <a:spcPts val="0"/>
@@ -36794,14 +36759,14 @@
               <a:buSzPct val="100000"/>
               <a:buFont typeface="Menlo"/>
               <a:buChar char="•"/>
-              <a:defRPr b="0" sz="900">
-                <a:solidFill>
-                  <a:srgbClr val="333333"/>
-                </a:solidFill>
-                <a:latin typeface="Menlo"/>
-                <a:ea typeface="Menlo"/>
-                <a:cs typeface="Menlo"/>
-                <a:sym typeface="Menlo"/>
+              <a:defRPr b="0" sz="1100">
+                <a:solidFill>
+                  <a:srgbClr val="5C2699"/>
+                </a:solidFill>
+                <a:latin typeface="Arial"/>
+                <a:ea typeface="Arial"/>
+                <a:cs typeface="Arial"/>
+                <a:sym typeface="Arial"/>
               </a:defRPr>
             </a:pPr>
             <a:r>
@@ -36809,9 +36774,9 @@
             </a:r>
           </a:p>
           <a:p>
-            <a:pPr marL="457200" indent="-317500" defTabSz="457200">
+            <a:pPr marL="527755" indent="-388055" defTabSz="457200">
               <a:lnSpc>
-                <a:spcPts val="2300"/>
+                <a:spcPts val="1700"/>
               </a:lnSpc>
               <a:spcBef>
                 <a:spcPts val="0"/>
@@ -36822,14 +36787,14 @@
               <a:buSzPct val="100000"/>
               <a:buFont typeface="Menlo"/>
               <a:buChar char="•"/>
-              <a:defRPr b="0" sz="900">
-                <a:solidFill>
-                  <a:srgbClr val="333333"/>
-                </a:solidFill>
-                <a:latin typeface="Menlo"/>
-                <a:ea typeface="Menlo"/>
-                <a:cs typeface="Menlo"/>
-                <a:sym typeface="Menlo"/>
+              <a:defRPr b="0" sz="1100">
+                <a:solidFill>
+                  <a:srgbClr val="5C2699"/>
+                </a:solidFill>
+                <a:latin typeface="Arial"/>
+                <a:ea typeface="Arial"/>
+                <a:cs typeface="Arial"/>
+                <a:sym typeface="Arial"/>
               </a:defRPr>
             </a:pPr>
             <a:r>
@@ -36837,9 +36802,9 @@
             </a:r>
           </a:p>
           <a:p>
-            <a:pPr marL="457200" indent="-317500" defTabSz="457200">
+            <a:pPr marL="527755" indent="-388055" defTabSz="457200">
               <a:lnSpc>
-                <a:spcPts val="2300"/>
+                <a:spcPts val="1700"/>
               </a:lnSpc>
               <a:spcBef>
                 <a:spcPts val="0"/>
@@ -36850,14 +36815,14 @@
               <a:buSzPct val="100000"/>
               <a:buFont typeface="Menlo"/>
               <a:buChar char="•"/>
-              <a:defRPr b="0" sz="900">
-                <a:solidFill>
-                  <a:srgbClr val="3F6E74"/>
-                </a:solidFill>
-                <a:latin typeface="Menlo"/>
-                <a:ea typeface="Menlo"/>
-                <a:cs typeface="Menlo"/>
-                <a:sym typeface="Menlo"/>
+              <a:defRPr b="0" sz="1100">
+                <a:solidFill>
+                  <a:srgbClr val="5C2699"/>
+                </a:solidFill>
+                <a:latin typeface="Arial"/>
+                <a:ea typeface="Arial"/>
+                <a:cs typeface="Arial"/>
+                <a:sym typeface="Arial"/>
               </a:defRPr>
             </a:pPr>
             <a:r>
@@ -36959,9 +36924,9 @@
             </a:endParaRPr>
           </a:p>
           <a:p>
-            <a:pPr marL="457200" indent="-317500" defTabSz="457200">
+            <a:pPr marL="527755" indent="-388055" defTabSz="457200">
               <a:lnSpc>
-                <a:spcPts val="2300"/>
+                <a:spcPts val="1700"/>
               </a:lnSpc>
               <a:spcBef>
                 <a:spcPts val="0"/>
@@ -36972,14 +36937,14 @@
               <a:buSzPct val="100000"/>
               <a:buFont typeface="Menlo"/>
               <a:buChar char="•"/>
-              <a:defRPr b="0" sz="900">
-                <a:solidFill>
-                  <a:srgbClr val="3F6E74"/>
-                </a:solidFill>
-                <a:latin typeface="Menlo"/>
-                <a:ea typeface="Menlo"/>
-                <a:cs typeface="Menlo"/>
-                <a:sym typeface="Menlo"/>
+              <a:defRPr b="0" sz="1100">
+                <a:solidFill>
+                  <a:srgbClr val="5C2699"/>
+                </a:solidFill>
+                <a:latin typeface="Arial"/>
+                <a:ea typeface="Arial"/>
+                <a:cs typeface="Arial"/>
+                <a:sym typeface="Arial"/>
               </a:defRPr>
             </a:pPr>
             <a:r>
@@ -37065,9 +37030,9 @@
             </a:endParaRPr>
           </a:p>
           <a:p>
-            <a:pPr marL="457200" indent="-317500" defTabSz="457200">
+            <a:pPr marL="527755" indent="-388055" defTabSz="457200">
               <a:lnSpc>
-                <a:spcPts val="2300"/>
+                <a:spcPts val="1700"/>
               </a:lnSpc>
               <a:spcBef>
                 <a:spcPts val="0"/>
@@ -37078,14 +37043,14 @@
               <a:buSzPct val="100000"/>
               <a:buFont typeface="Menlo"/>
               <a:buChar char="•"/>
-              <a:defRPr b="0" sz="900">
-                <a:solidFill>
-                  <a:srgbClr val="C41A16"/>
-                </a:solidFill>
-                <a:latin typeface="Menlo"/>
-                <a:ea typeface="Menlo"/>
-                <a:cs typeface="Menlo"/>
-                <a:sym typeface="Menlo"/>
+              <a:defRPr b="0" sz="1100">
+                <a:solidFill>
+                  <a:srgbClr val="5C2699"/>
+                </a:solidFill>
+                <a:latin typeface="Arial"/>
+                <a:ea typeface="Arial"/>
+                <a:cs typeface="Arial"/>
+                <a:sym typeface="Arial"/>
               </a:defRPr>
             </a:pPr>
             <a:r>
@@ -37208,9 +37173,9 @@
             </a:endParaRPr>
           </a:p>
           <a:p>
-            <a:pPr marL="457200" indent="-317500" defTabSz="457200">
+            <a:pPr marL="527755" indent="-388055" defTabSz="457200">
               <a:lnSpc>
-                <a:spcPts val="2300"/>
+                <a:spcPts val="1700"/>
               </a:lnSpc>
               <a:spcBef>
                 <a:spcPts val="0"/>
@@ -37221,14 +37186,14 @@
               <a:buSzPct val="100000"/>
               <a:buFont typeface="Menlo"/>
               <a:buChar char="•"/>
-              <a:defRPr b="0" sz="900">
-                <a:solidFill>
-                  <a:srgbClr val="007400"/>
-                </a:solidFill>
-                <a:latin typeface="Menlo"/>
-                <a:ea typeface="Menlo"/>
-                <a:cs typeface="Menlo"/>
-                <a:sym typeface="Menlo"/>
+              <a:defRPr b="0" sz="1100">
+                <a:solidFill>
+                  <a:srgbClr val="5C2699"/>
+                </a:solidFill>
+                <a:latin typeface="Arial"/>
+                <a:ea typeface="Arial"/>
+                <a:cs typeface="Arial"/>
+                <a:sym typeface="Arial"/>
               </a:defRPr>
             </a:pPr>
             <a:r>
@@ -37250,8 +37215,8 @@
         </p:nvSpPr>
         <p:spPr>
           <a:xfrm>
-            <a:off x="869662" y="3908979"/>
-            <a:ext cx="3245103" cy="548641"/>
+            <a:off x="861140" y="4109244"/>
+            <a:ext cx="2802226" cy="725565"/>
           </a:xfrm>
           <a:prstGeom prst="rect">
             <a:avLst/>
@@ -37271,9 +37236,9 @@
           </a:bodyPr>
           <a:lstStyle/>
           <a:p>
-            <a:pPr marL="457200" indent="-317500" defTabSz="457200">
+            <a:pPr marL="527755" indent="-388055" defTabSz="457200">
               <a:lnSpc>
-                <a:spcPts val="2300"/>
+                <a:spcPts val="1700"/>
               </a:lnSpc>
               <a:spcBef>
                 <a:spcPts val="0"/>
@@ -37284,14 +37249,14 @@
               <a:buSzPct val="100000"/>
               <a:buFont typeface="Menlo"/>
               <a:buChar char="•"/>
-              <a:defRPr b="0" sz="900">
-                <a:solidFill>
-                  <a:srgbClr val="3F6E74"/>
-                </a:solidFill>
-                <a:latin typeface="Menlo"/>
-                <a:ea typeface="Menlo"/>
-                <a:cs typeface="Menlo"/>
-                <a:sym typeface="Menlo"/>
+              <a:defRPr b="0" sz="1100">
+                <a:solidFill>
+                  <a:srgbClr val="5C2699"/>
+                </a:solidFill>
+                <a:latin typeface="Arial"/>
+                <a:ea typeface="Arial"/>
+                <a:cs typeface="Arial"/>
+                <a:sym typeface="Arial"/>
               </a:defRPr>
             </a:pPr>
             <a:r>
@@ -37393,9 +37358,9 @@
             </a:endParaRPr>
           </a:p>
           <a:p>
-            <a:pPr marL="457200" indent="-317500" defTabSz="457200">
+            <a:pPr marL="527755" indent="-388055" defTabSz="457200">
               <a:lnSpc>
-                <a:spcPts val="2300"/>
+                <a:spcPts val="1700"/>
               </a:lnSpc>
               <a:spcBef>
                 <a:spcPts val="0"/>
@@ -37406,14 +37371,14 @@
               <a:buSzPct val="100000"/>
               <a:buFont typeface="Menlo"/>
               <a:buChar char="•"/>
-              <a:defRPr b="0" sz="900">
-                <a:solidFill>
-                  <a:srgbClr val="3F6E74"/>
-                </a:solidFill>
-                <a:latin typeface="Menlo"/>
-                <a:ea typeface="Menlo"/>
-                <a:cs typeface="Menlo"/>
-                <a:sym typeface="Menlo"/>
+              <a:defRPr b="0" sz="1100">
+                <a:solidFill>
+                  <a:srgbClr val="5C2699"/>
+                </a:solidFill>
+                <a:latin typeface="Arial"/>
+                <a:ea typeface="Arial"/>
+                <a:cs typeface="Arial"/>
+                <a:sym typeface="Arial"/>
               </a:defRPr>
             </a:pPr>
             <a:r>
@@ -37499,9 +37464,9 @@
             </a:endParaRPr>
           </a:p>
           <a:p>
-            <a:pPr marL="457200" indent="-317500" defTabSz="457200">
+            <a:pPr marL="527755" indent="-388055" defTabSz="457200">
               <a:lnSpc>
-                <a:spcPts val="2300"/>
+                <a:spcPts val="1700"/>
               </a:lnSpc>
               <a:spcBef>
                 <a:spcPts val="0"/>
@@ -37512,14 +37477,14 @@
               <a:buSzPct val="100000"/>
               <a:buFont typeface="Menlo"/>
               <a:buChar char="•"/>
-              <a:defRPr b="0" sz="900">
-                <a:solidFill>
-                  <a:srgbClr val="007400"/>
-                </a:solidFill>
-                <a:latin typeface="Menlo"/>
-                <a:ea typeface="Menlo"/>
-                <a:cs typeface="Menlo"/>
-                <a:sym typeface="Menlo"/>
+              <a:defRPr b="0" sz="1100">
+                <a:solidFill>
+                  <a:srgbClr val="5C2699"/>
+                </a:solidFill>
+                <a:latin typeface="Arial"/>
+                <a:ea typeface="Arial"/>
+                <a:cs typeface="Arial"/>
+                <a:sym typeface="Arial"/>
               </a:defRPr>
             </a:pPr>
             <a:r>
@@ -37716,7 +37681,7 @@
         <p:spPr>
           <a:xfrm>
             <a:off x="877689" y="1468418"/>
-            <a:ext cx="4896648" cy="1043941"/>
+            <a:ext cx="4506729" cy="1373266"/>
           </a:xfrm>
           <a:prstGeom prst="rect">
             <a:avLst/>
@@ -37736,9 +37701,9 @@
           </a:bodyPr>
           <a:lstStyle/>
           <a:p>
-            <a:pPr marL="457200" indent="-317500" defTabSz="457200">
+            <a:pPr marL="527755" indent="-388055" defTabSz="457200">
               <a:lnSpc>
-                <a:spcPts val="2300"/>
+                <a:spcPts val="1700"/>
               </a:lnSpc>
               <a:spcBef>
                 <a:spcPts val="0"/>
@@ -37749,14 +37714,14 @@
               <a:buSzPct val="100000"/>
               <a:buFont typeface="Menlo"/>
               <a:buChar char="•"/>
-              <a:defRPr b="0" sz="900">
-                <a:solidFill>
-                  <a:srgbClr val="AA0D91"/>
-                </a:solidFill>
-                <a:latin typeface="Menlo"/>
-                <a:ea typeface="Menlo"/>
-                <a:cs typeface="Menlo"/>
-                <a:sym typeface="Menlo"/>
+              <a:defRPr b="0" sz="1100">
+                <a:solidFill>
+                  <a:srgbClr val="5C2699"/>
+                </a:solidFill>
+                <a:latin typeface="Arial"/>
+                <a:ea typeface="Arial"/>
+                <a:cs typeface="Arial"/>
+                <a:sym typeface="Arial"/>
               </a:defRPr>
             </a:pPr>
             <a:r>
@@ -37793,9 +37758,9 @@
             </a:endParaRPr>
           </a:p>
           <a:p>
-            <a:pPr marL="457200" indent="-317500" defTabSz="457200">
+            <a:pPr marL="527755" indent="-388055" defTabSz="457200">
               <a:lnSpc>
-                <a:spcPts val="2300"/>
+                <a:spcPts val="1700"/>
               </a:lnSpc>
               <a:spcBef>
                 <a:spcPts val="0"/>
@@ -37806,14 +37771,14 @@
               <a:buSzPct val="100000"/>
               <a:buFont typeface="Menlo"/>
               <a:buChar char="•"/>
-              <a:defRPr b="0" sz="900">
-                <a:solidFill>
-                  <a:srgbClr val="333333"/>
-                </a:solidFill>
-                <a:latin typeface="Menlo"/>
-                <a:ea typeface="Menlo"/>
-                <a:cs typeface="Menlo"/>
-                <a:sym typeface="Menlo"/>
+              <a:defRPr b="0" sz="1100">
+                <a:solidFill>
+                  <a:srgbClr val="5C2699"/>
+                </a:solidFill>
+                <a:latin typeface="Arial"/>
+                <a:ea typeface="Arial"/>
+                <a:cs typeface="Arial"/>
+                <a:sym typeface="Arial"/>
               </a:defRPr>
             </a:pPr>
             <a:r>
@@ -37873,9 +37838,9 @@
             </a:r>
           </a:p>
           <a:p>
-            <a:pPr marL="457200" indent="-317500" defTabSz="457200">
+            <a:pPr marL="527755" indent="-388055" defTabSz="457200">
               <a:lnSpc>
-                <a:spcPts val="2300"/>
+                <a:spcPts val="1700"/>
               </a:lnSpc>
               <a:spcBef>
                 <a:spcPts val="0"/>
@@ -37886,14 +37851,14 @@
               <a:buSzPct val="100000"/>
               <a:buFont typeface="Menlo"/>
               <a:buChar char="•"/>
-              <a:defRPr b="0" sz="900">
-                <a:solidFill>
-                  <a:srgbClr val="AA0D91"/>
-                </a:solidFill>
-                <a:latin typeface="Menlo"/>
-                <a:ea typeface="Menlo"/>
-                <a:cs typeface="Menlo"/>
-                <a:sym typeface="Menlo"/>
+              <a:defRPr b="0" sz="1100">
+                <a:solidFill>
+                  <a:srgbClr val="5C2699"/>
+                </a:solidFill>
+                <a:latin typeface="Arial"/>
+                <a:ea typeface="Arial"/>
+                <a:cs typeface="Arial"/>
+                <a:sym typeface="Arial"/>
               </a:defRPr>
             </a:pPr>
             <a:r>
@@ -37975,11 +37940,6 @@
               <a:t>: </a:t>
             </a:r>
             <a:r>
-              <a:rPr>
-                <a:solidFill>
-                  <a:srgbClr val="5C2699"/>
-                </a:solidFill>
-              </a:rPr>
               <a:t>Double</a:t>
             </a:r>
             <a:r>
@@ -38023,11 +37983,6 @@
               <a:t>: </a:t>
             </a:r>
             <a:r>
-              <a:rPr>
-                <a:solidFill>
-                  <a:srgbClr val="5C2699"/>
-                </a:solidFill>
-              </a:rPr>
               <a:t>Double</a:t>
             </a:r>
             <a:r>
@@ -38045,9 +38000,9 @@
             </a:endParaRPr>
           </a:p>
           <a:p>
-            <a:pPr marL="457200" indent="-317500" defTabSz="457200">
+            <a:pPr marL="527755" indent="-388055" defTabSz="457200">
               <a:lnSpc>
-                <a:spcPts val="2300"/>
+                <a:spcPts val="1700"/>
               </a:lnSpc>
               <a:spcBef>
                 <a:spcPts val="0"/>
@@ -38058,14 +38013,14 @@
               <a:buSzPct val="100000"/>
               <a:buFont typeface="Menlo"/>
               <a:buChar char="•"/>
-              <a:defRPr b="0" sz="900">
-                <a:solidFill>
-                  <a:srgbClr val="333333"/>
-                </a:solidFill>
-                <a:latin typeface="Menlo"/>
-                <a:ea typeface="Menlo"/>
-                <a:cs typeface="Menlo"/>
-                <a:sym typeface="Menlo"/>
+              <a:defRPr b="0" sz="1100">
+                <a:solidFill>
+                  <a:srgbClr val="5C2699"/>
+                </a:solidFill>
+                <a:latin typeface="Arial"/>
+                <a:ea typeface="Arial"/>
+                <a:cs typeface="Arial"/>
+                <a:sym typeface="Arial"/>
               </a:defRPr>
             </a:pPr>
             <a:r>
@@ -38161,9 +38116,9 @@
             </a:r>
           </a:p>
           <a:p>
-            <a:pPr marL="457200" indent="-317500" defTabSz="457200">
+            <a:pPr marL="527755" indent="-388055" defTabSz="457200">
               <a:lnSpc>
-                <a:spcPts val="2300"/>
+                <a:spcPts val="1700"/>
               </a:lnSpc>
               <a:spcBef>
                 <a:spcPts val="0"/>
@@ -38174,14 +38129,14 @@
               <a:buSzPct val="100000"/>
               <a:buFont typeface="Menlo"/>
               <a:buChar char="•"/>
-              <a:defRPr b="0" sz="900">
-                <a:solidFill>
-                  <a:srgbClr val="333333"/>
-                </a:solidFill>
-                <a:latin typeface="Menlo"/>
-                <a:ea typeface="Menlo"/>
-                <a:cs typeface="Menlo"/>
-                <a:sym typeface="Menlo"/>
+              <a:defRPr b="0" sz="1100">
+                <a:solidFill>
+                  <a:srgbClr val="5C2699"/>
+                </a:solidFill>
+                <a:latin typeface="Arial"/>
+                <a:ea typeface="Arial"/>
+                <a:cs typeface="Arial"/>
+                <a:sym typeface="Arial"/>
               </a:defRPr>
             </a:pPr>
             <a:r>
@@ -38189,9 +38144,9 @@
             </a:r>
           </a:p>
           <a:p>
-            <a:pPr marL="457200" indent="-317500" defTabSz="457200">
+            <a:pPr marL="527755" indent="-388055" defTabSz="457200">
               <a:lnSpc>
-                <a:spcPts val="2300"/>
+                <a:spcPts val="1700"/>
               </a:lnSpc>
               <a:spcBef>
                 <a:spcPts val="0"/>
@@ -38202,14 +38157,14 @@
               <a:buSzPct val="100000"/>
               <a:buFont typeface="Menlo"/>
               <a:buChar char="•"/>
-              <a:defRPr b="0" sz="900">
-                <a:solidFill>
-                  <a:srgbClr val="333333"/>
-                </a:solidFill>
-                <a:latin typeface="Menlo"/>
-                <a:ea typeface="Menlo"/>
-                <a:cs typeface="Menlo"/>
-                <a:sym typeface="Menlo"/>
+              <a:defRPr b="0" sz="1100">
+                <a:solidFill>
+                  <a:srgbClr val="5C2699"/>
+                </a:solidFill>
+                <a:latin typeface="Arial"/>
+                <a:ea typeface="Arial"/>
+                <a:cs typeface="Arial"/>
+                <a:sym typeface="Arial"/>
               </a:defRPr>
             </a:pPr>
             <a:r>
@@ -38226,8 +38181,8 @@
         </p:nvSpPr>
         <p:spPr>
           <a:xfrm>
-            <a:off x="5953979" y="1484943"/>
-            <a:ext cx="2969846" cy="3190241"/>
+            <a:off x="5847456" y="871366"/>
+            <a:ext cx="2809934" cy="3964066"/>
           </a:xfrm>
           <a:prstGeom prst="rect">
             <a:avLst/>
@@ -38247,9 +38202,9 @@
           </a:bodyPr>
           <a:lstStyle/>
           <a:p>
-            <a:pPr marL="457200" indent="-317500" defTabSz="457200">
+            <a:pPr marL="527755" indent="-388055" defTabSz="457200">
               <a:lnSpc>
-                <a:spcPts val="2300"/>
+                <a:spcPts val="1700"/>
               </a:lnSpc>
               <a:spcBef>
                 <a:spcPts val="0"/>
@@ -38260,14 +38215,14 @@
               <a:buSzPct val="100000"/>
               <a:buFont typeface="Menlo"/>
               <a:buChar char="•"/>
-              <a:defRPr b="0" sz="900">
-                <a:solidFill>
-                  <a:srgbClr val="3F6E74"/>
-                </a:solidFill>
-                <a:latin typeface="Menlo"/>
-                <a:ea typeface="Menlo"/>
-                <a:cs typeface="Menlo"/>
-                <a:sym typeface="Menlo"/>
+              <a:defRPr b="0" sz="1100">
+                <a:solidFill>
+                  <a:srgbClr val="5C2699"/>
+                </a:solidFill>
+                <a:latin typeface="Arial"/>
+                <a:ea typeface="Arial"/>
+                <a:cs typeface="Arial"/>
+                <a:sym typeface="Arial"/>
               </a:defRPr>
             </a:pPr>
             <a:r>
@@ -38304,9 +38259,9 @@
             </a:endParaRPr>
           </a:p>
           <a:p>
-            <a:pPr marL="457200" indent="-317500" defTabSz="457200">
+            <a:pPr marL="527755" indent="-388055" defTabSz="457200">
               <a:lnSpc>
-                <a:spcPts val="2300"/>
+                <a:spcPts val="1700"/>
               </a:lnSpc>
               <a:spcBef>
                 <a:spcPts val="0"/>
@@ -38317,14 +38272,14 @@
               <a:buSzPct val="100000"/>
               <a:buFont typeface="Menlo"/>
               <a:buChar char="•"/>
-              <a:defRPr b="0" sz="900">
-                <a:solidFill>
-                  <a:srgbClr val="333333"/>
-                </a:solidFill>
-                <a:latin typeface="Menlo"/>
-                <a:ea typeface="Menlo"/>
-                <a:cs typeface="Menlo"/>
-                <a:sym typeface="Menlo"/>
+              <a:defRPr b="0" sz="1100">
+                <a:solidFill>
+                  <a:srgbClr val="5C2699"/>
+                </a:solidFill>
+                <a:latin typeface="Arial"/>
+                <a:ea typeface="Arial"/>
+                <a:cs typeface="Arial"/>
+                <a:sym typeface="Arial"/>
               </a:defRPr>
             </a:pPr>
             <a:r>
@@ -38373,9 +38328,9 @@
             </a:r>
           </a:p>
           <a:p>
-            <a:pPr marL="457200" indent="-317500" defTabSz="457200">
+            <a:pPr marL="527755" indent="-388055" defTabSz="457200">
               <a:lnSpc>
-                <a:spcPts val="2300"/>
+                <a:spcPts val="1700"/>
               </a:lnSpc>
               <a:spcBef>
                 <a:spcPts val="0"/>
@@ -38386,14 +38341,14 @@
               <a:buSzPct val="100000"/>
               <a:buFont typeface="Menlo"/>
               <a:buChar char="•"/>
-              <a:defRPr b="0" sz="900">
-                <a:solidFill>
-                  <a:srgbClr val="AA0D91"/>
-                </a:solidFill>
-                <a:latin typeface="Menlo"/>
-                <a:ea typeface="Menlo"/>
-                <a:cs typeface="Menlo"/>
-                <a:sym typeface="Menlo"/>
+              <a:defRPr b="0" sz="1100">
+                <a:solidFill>
+                  <a:srgbClr val="5C2699"/>
+                </a:solidFill>
+                <a:latin typeface="Arial"/>
+                <a:ea typeface="Arial"/>
+                <a:cs typeface="Arial"/>
+                <a:sym typeface="Arial"/>
               </a:defRPr>
             </a:pPr>
             <a:r>
@@ -38449,9 +38404,9 @@
             </a:endParaRPr>
           </a:p>
           <a:p>
-            <a:pPr marL="457200" indent="-317500" defTabSz="457200">
+            <a:pPr marL="527755" indent="-388055" defTabSz="457200">
               <a:lnSpc>
-                <a:spcPts val="2300"/>
+                <a:spcPts val="1700"/>
               </a:lnSpc>
               <a:spcBef>
                 <a:spcPts val="0"/>
@@ -38462,14 +38417,14 @@
               <a:buSzPct val="100000"/>
               <a:buFont typeface="Menlo"/>
               <a:buChar char="•"/>
-              <a:defRPr b="0" sz="900">
-                <a:solidFill>
-                  <a:srgbClr val="333333"/>
-                </a:solidFill>
-                <a:latin typeface="Menlo"/>
-                <a:ea typeface="Menlo"/>
-                <a:cs typeface="Menlo"/>
-                <a:sym typeface="Menlo"/>
+              <a:defRPr b="0" sz="1100">
+                <a:solidFill>
+                  <a:srgbClr val="5C2699"/>
+                </a:solidFill>
+                <a:latin typeface="Arial"/>
+                <a:ea typeface="Arial"/>
+                <a:cs typeface="Arial"/>
+                <a:sym typeface="Arial"/>
               </a:defRPr>
             </a:pPr>
             <a:r>
@@ -38499,9 +38454,9 @@
             </a:r>
           </a:p>
           <a:p>
-            <a:pPr marL="457200" indent="-317500" defTabSz="457200">
+            <a:pPr marL="527755" indent="-388055" defTabSz="457200">
               <a:lnSpc>
-                <a:spcPts val="2300"/>
+                <a:spcPts val="1700"/>
               </a:lnSpc>
               <a:spcBef>
                 <a:spcPts val="0"/>
@@ -38512,14 +38467,14 @@
               <a:buSzPct val="100000"/>
               <a:buFont typeface="Menlo"/>
               <a:buChar char="•"/>
-              <a:defRPr b="0" sz="900">
-                <a:solidFill>
-                  <a:srgbClr val="333333"/>
-                </a:solidFill>
-                <a:latin typeface="Menlo"/>
-                <a:ea typeface="Menlo"/>
-                <a:cs typeface="Menlo"/>
-                <a:sym typeface="Menlo"/>
+              <a:defRPr b="0" sz="1100">
+                <a:solidFill>
+                  <a:srgbClr val="5C2699"/>
+                </a:solidFill>
+                <a:latin typeface="Arial"/>
+                <a:ea typeface="Arial"/>
+                <a:cs typeface="Arial"/>
+                <a:sym typeface="Arial"/>
               </a:defRPr>
             </a:pPr>
             <a:r>
@@ -38549,9 +38504,9 @@
             </a:r>
           </a:p>
           <a:p>
-            <a:pPr marL="457200" indent="-317500" defTabSz="457200">
+            <a:pPr marL="527755" indent="-388055" defTabSz="457200">
               <a:lnSpc>
-                <a:spcPts val="2300"/>
+                <a:spcPts val="1700"/>
               </a:lnSpc>
               <a:spcBef>
                 <a:spcPts val="0"/>
@@ -38562,14 +38517,14 @@
               <a:buSzPct val="100000"/>
               <a:buFont typeface="Menlo"/>
               <a:buChar char="•"/>
-              <a:defRPr b="0" sz="900">
-                <a:solidFill>
-                  <a:srgbClr val="333333"/>
-                </a:solidFill>
-                <a:latin typeface="Menlo"/>
-                <a:ea typeface="Menlo"/>
-                <a:cs typeface="Menlo"/>
-                <a:sym typeface="Menlo"/>
+              <a:defRPr b="0" sz="1100">
+                <a:solidFill>
+                  <a:srgbClr val="5C2699"/>
+                </a:solidFill>
+                <a:latin typeface="Arial"/>
+                <a:ea typeface="Arial"/>
+                <a:cs typeface="Arial"/>
+                <a:sym typeface="Arial"/>
               </a:defRPr>
             </a:pPr>
             <a:r>
@@ -38596,9 +38551,9 @@
             </a:r>
           </a:p>
           <a:p>
-            <a:pPr marL="457200" indent="-317500" defTabSz="457200">
+            <a:pPr marL="527755" indent="-388055" defTabSz="457200">
               <a:lnSpc>
-                <a:spcPts val="2300"/>
+                <a:spcPts val="1700"/>
               </a:lnSpc>
               <a:spcBef>
                 <a:spcPts val="0"/>
@@ -38609,14 +38564,14 @@
               <a:buSzPct val="100000"/>
               <a:buFont typeface="Menlo"/>
               <a:buChar char="•"/>
-              <a:defRPr b="0" sz="900">
-                <a:solidFill>
-                  <a:srgbClr val="333333"/>
-                </a:solidFill>
-                <a:latin typeface="Menlo"/>
-                <a:ea typeface="Menlo"/>
-                <a:cs typeface="Menlo"/>
-                <a:sym typeface="Menlo"/>
+              <a:defRPr b="0" sz="1100">
+                <a:solidFill>
+                  <a:srgbClr val="5C2699"/>
+                </a:solidFill>
+                <a:latin typeface="Arial"/>
+                <a:ea typeface="Arial"/>
+                <a:cs typeface="Arial"/>
+                <a:sym typeface="Arial"/>
               </a:defRPr>
             </a:pPr>
             <a:r>
@@ -38646,9 +38601,9 @@
             </a:r>
           </a:p>
           <a:p>
-            <a:pPr marL="457200" indent="-317500" defTabSz="457200">
+            <a:pPr marL="527755" indent="-388055" defTabSz="457200">
               <a:lnSpc>
-                <a:spcPts val="2300"/>
+                <a:spcPts val="1700"/>
               </a:lnSpc>
               <a:spcBef>
                 <a:spcPts val="0"/>
@@ -38659,14 +38614,14 @@
               <a:buSzPct val="100000"/>
               <a:buFont typeface="Menlo"/>
               <a:buChar char="•"/>
-              <a:defRPr b="0" sz="900">
-                <a:solidFill>
-                  <a:srgbClr val="333333"/>
-                </a:solidFill>
-                <a:latin typeface="Menlo"/>
-                <a:ea typeface="Menlo"/>
-                <a:cs typeface="Menlo"/>
-                <a:sym typeface="Menlo"/>
+              <a:defRPr b="0" sz="1100">
+                <a:solidFill>
+                  <a:srgbClr val="5C2699"/>
+                </a:solidFill>
+                <a:latin typeface="Arial"/>
+                <a:ea typeface="Arial"/>
+                <a:cs typeface="Arial"/>
+                <a:sym typeface="Arial"/>
               </a:defRPr>
             </a:pPr>
             <a:r>
@@ -38693,9 +38648,9 @@
             </a:r>
           </a:p>
           <a:p>
-            <a:pPr marL="457200" indent="-317500" defTabSz="457200">
+            <a:pPr marL="527755" indent="-388055" defTabSz="457200">
               <a:lnSpc>
-                <a:spcPts val="2300"/>
+                <a:spcPts val="1700"/>
               </a:lnSpc>
               <a:spcBef>
                 <a:spcPts val="0"/>
@@ -38706,14 +38661,14 @@
               <a:buSzPct val="100000"/>
               <a:buFont typeface="Menlo"/>
               <a:buChar char="•"/>
-              <a:defRPr b="0" sz="900">
-                <a:solidFill>
-                  <a:srgbClr val="333333"/>
-                </a:solidFill>
-                <a:latin typeface="Menlo"/>
-                <a:ea typeface="Menlo"/>
-                <a:cs typeface="Menlo"/>
-                <a:sym typeface="Menlo"/>
+              <a:defRPr b="0" sz="1100">
+                <a:solidFill>
+                  <a:srgbClr val="5C2699"/>
+                </a:solidFill>
+                <a:latin typeface="Arial"/>
+                <a:ea typeface="Arial"/>
+                <a:cs typeface="Arial"/>
+                <a:sym typeface="Arial"/>
               </a:defRPr>
             </a:pPr>
             <a:r>
@@ -38743,9 +38698,9 @@
             </a:r>
           </a:p>
           <a:p>
-            <a:pPr marL="457200" indent="-317500" defTabSz="457200">
+            <a:pPr marL="527755" indent="-388055" defTabSz="457200">
               <a:lnSpc>
-                <a:spcPts val="2300"/>
+                <a:spcPts val="1700"/>
               </a:lnSpc>
               <a:spcBef>
                 <a:spcPts val="0"/>
@@ -38756,14 +38711,14 @@
               <a:buSzPct val="100000"/>
               <a:buFont typeface="Menlo"/>
               <a:buChar char="•"/>
-              <a:defRPr b="0" sz="900">
-                <a:solidFill>
-                  <a:srgbClr val="333333"/>
-                </a:solidFill>
-                <a:latin typeface="Menlo"/>
-                <a:ea typeface="Menlo"/>
-                <a:cs typeface="Menlo"/>
-                <a:sym typeface="Menlo"/>
+              <a:defRPr b="0" sz="1100">
+                <a:solidFill>
+                  <a:srgbClr val="5C2699"/>
+                </a:solidFill>
+                <a:latin typeface="Arial"/>
+                <a:ea typeface="Arial"/>
+                <a:cs typeface="Arial"/>
+                <a:sym typeface="Arial"/>
               </a:defRPr>
             </a:pPr>
             <a:r>
@@ -38790,9 +38745,9 @@
             </a:r>
           </a:p>
           <a:p>
-            <a:pPr marL="457200" indent="-317500" defTabSz="457200">
+            <a:pPr marL="527755" indent="-388055" defTabSz="457200">
               <a:lnSpc>
-                <a:spcPts val="2300"/>
+                <a:spcPts val="1700"/>
               </a:lnSpc>
               <a:spcBef>
                 <a:spcPts val="0"/>
@@ -38803,14 +38758,14 @@
               <a:buSzPct val="100000"/>
               <a:buFont typeface="Menlo"/>
               <a:buChar char="•"/>
-              <a:defRPr b="0" sz="900">
-                <a:solidFill>
-                  <a:srgbClr val="333333"/>
-                </a:solidFill>
-                <a:latin typeface="Menlo"/>
-                <a:ea typeface="Menlo"/>
-                <a:cs typeface="Menlo"/>
-                <a:sym typeface="Menlo"/>
+              <a:defRPr b="0" sz="1100">
+                <a:solidFill>
+                  <a:srgbClr val="5C2699"/>
+                </a:solidFill>
+                <a:latin typeface="Arial"/>
+                <a:ea typeface="Arial"/>
+                <a:cs typeface="Arial"/>
+                <a:sym typeface="Arial"/>
               </a:defRPr>
             </a:pPr>
             <a:r>
@@ -38818,9 +38773,9 @@
             </a:r>
           </a:p>
           <a:p>
-            <a:pPr marL="457200" indent="-317500" defTabSz="457200">
+            <a:pPr marL="527755" indent="-388055" defTabSz="457200">
               <a:lnSpc>
-                <a:spcPts val="2300"/>
+                <a:spcPts val="1700"/>
               </a:lnSpc>
               <a:spcBef>
                 <a:spcPts val="0"/>
@@ -38831,14 +38786,14 @@
               <a:buSzPct val="100000"/>
               <a:buFont typeface="Menlo"/>
               <a:buChar char="•"/>
-              <a:defRPr b="0" sz="900">
-                <a:solidFill>
-                  <a:srgbClr val="333333"/>
-                </a:solidFill>
-                <a:latin typeface="Menlo"/>
-                <a:ea typeface="Menlo"/>
-                <a:cs typeface="Menlo"/>
-                <a:sym typeface="Menlo"/>
+              <a:defRPr b="0" sz="1100">
+                <a:solidFill>
+                  <a:srgbClr val="5C2699"/>
+                </a:solidFill>
+                <a:latin typeface="Arial"/>
+                <a:ea typeface="Arial"/>
+                <a:cs typeface="Arial"/>
+                <a:sym typeface="Arial"/>
               </a:defRPr>
             </a:pPr>
             <a:r>
@@ -38846,9 +38801,9 @@
             </a:r>
           </a:p>
           <a:p>
-            <a:pPr marL="457200" indent="-317500" defTabSz="457200">
+            <a:pPr marL="527755" indent="-388055" defTabSz="457200">
               <a:lnSpc>
-                <a:spcPts val="2300"/>
+                <a:spcPts val="1700"/>
               </a:lnSpc>
               <a:spcBef>
                 <a:spcPts val="0"/>
@@ -38859,14 +38814,14 @@
               <a:buSzPct val="100000"/>
               <a:buFont typeface="Menlo"/>
               <a:buChar char="•"/>
-              <a:defRPr b="0" sz="900">
-                <a:solidFill>
-                  <a:srgbClr val="333333"/>
-                </a:solidFill>
-                <a:latin typeface="Menlo"/>
-                <a:ea typeface="Menlo"/>
-                <a:cs typeface="Menlo"/>
-                <a:sym typeface="Menlo"/>
+              <a:defRPr b="0" sz="1100">
+                <a:solidFill>
+                  <a:srgbClr val="5C2699"/>
+                </a:solidFill>
+                <a:latin typeface="Arial"/>
+                <a:ea typeface="Arial"/>
+                <a:cs typeface="Arial"/>
+                <a:sym typeface="Arial"/>
               </a:defRPr>
             </a:pPr>
             <a:r>
@@ -38874,9 +38829,9 @@
             </a:r>
           </a:p>
           <a:p>
-            <a:pPr marL="457200" indent="-317500" defTabSz="457200">
+            <a:pPr marL="527755" indent="-388055" defTabSz="457200">
               <a:lnSpc>
-                <a:spcPts val="2300"/>
+                <a:spcPts val="1700"/>
               </a:lnSpc>
               <a:spcBef>
                 <a:spcPts val="0"/>
@@ -38887,14 +38842,14 @@
               <a:buSzPct val="100000"/>
               <a:buFont typeface="Menlo"/>
               <a:buChar char="•"/>
-              <a:defRPr b="0" sz="900">
-                <a:solidFill>
-                  <a:srgbClr val="3F6E74"/>
-                </a:solidFill>
-                <a:latin typeface="Menlo"/>
-                <a:ea typeface="Menlo"/>
-                <a:cs typeface="Menlo"/>
-                <a:sym typeface="Menlo"/>
+              <a:defRPr b="0" sz="1100">
+                <a:solidFill>
+                  <a:srgbClr val="5C2699"/>
+                </a:solidFill>
+                <a:latin typeface="Arial"/>
+                <a:ea typeface="Arial"/>
+                <a:cs typeface="Arial"/>
+                <a:sym typeface="Arial"/>
               </a:defRPr>
             </a:pPr>
             <a:r>
@@ -38945,9 +38900,9 @@
             </a:endParaRPr>
           </a:p>
           <a:p>
-            <a:pPr marL="457200" indent="-317500" defTabSz="457200">
+            <a:pPr marL="527755" indent="-388055" defTabSz="457200">
               <a:lnSpc>
-                <a:spcPts val="2300"/>
+                <a:spcPts val="1700"/>
               </a:lnSpc>
               <a:spcBef>
                 <a:spcPts val="0"/>
@@ -38958,14 +38913,14 @@
               <a:buSzPct val="100000"/>
               <a:buFont typeface="Menlo"/>
               <a:buChar char="•"/>
-              <a:defRPr b="0" sz="900">
-                <a:solidFill>
-                  <a:srgbClr val="3F6E74"/>
-                </a:solidFill>
-                <a:latin typeface="Menlo"/>
-                <a:ea typeface="Menlo"/>
-                <a:cs typeface="Menlo"/>
-                <a:sym typeface="Menlo"/>
+              <a:defRPr b="0" sz="1100">
+                <a:solidFill>
+                  <a:srgbClr val="5C2699"/>
+                </a:solidFill>
+                <a:latin typeface="Arial"/>
+                <a:ea typeface="Arial"/>
+                <a:cs typeface="Arial"/>
+                <a:sym typeface="Arial"/>
               </a:defRPr>
             </a:pPr>
             <a:r>
@@ -38997,9 +38952,9 @@
             </a:endParaRPr>
           </a:p>
           <a:p>
-            <a:pPr marL="457200" indent="-317500" defTabSz="457200">
+            <a:pPr marL="527755" indent="-388055" defTabSz="457200">
               <a:lnSpc>
-                <a:spcPts val="2300"/>
+                <a:spcPts val="1700"/>
               </a:lnSpc>
               <a:spcBef>
                 <a:spcPts val="0"/>
@@ -39010,14 +38965,14 @@
               <a:buSzPct val="100000"/>
               <a:buFont typeface="Menlo"/>
               <a:buChar char="•"/>
-              <a:defRPr b="0" sz="900">
-                <a:solidFill>
-                  <a:srgbClr val="007400"/>
-                </a:solidFill>
-                <a:latin typeface="Menlo"/>
-                <a:ea typeface="Menlo"/>
-                <a:cs typeface="Menlo"/>
-                <a:sym typeface="Menlo"/>
+              <a:defRPr b="0" sz="1100">
+                <a:solidFill>
+                  <a:srgbClr val="5C2699"/>
+                </a:solidFill>
+                <a:latin typeface="Arial"/>
+                <a:ea typeface="Arial"/>
+                <a:cs typeface="Arial"/>
+                <a:sym typeface="Arial"/>
               </a:defRPr>
             </a:pPr>
             <a:r>
@@ -39030,9 +38985,9 @@
             </a:endParaRPr>
           </a:p>
           <a:p>
-            <a:pPr marL="457200" indent="-317500" defTabSz="457200">
+            <a:pPr marL="527755" indent="-388055" defTabSz="457200">
               <a:lnSpc>
-                <a:spcPts val="2300"/>
+                <a:spcPts val="1700"/>
               </a:lnSpc>
               <a:spcBef>
                 <a:spcPts val="0"/>
@@ -39043,14 +38998,14 @@
               <a:buSzPct val="100000"/>
               <a:buFont typeface="Menlo"/>
               <a:buChar char="•"/>
-              <a:defRPr b="0" sz="900">
-                <a:solidFill>
-                  <a:srgbClr val="3F6E74"/>
-                </a:solidFill>
-                <a:latin typeface="Menlo"/>
-                <a:ea typeface="Menlo"/>
-                <a:cs typeface="Menlo"/>
-                <a:sym typeface="Menlo"/>
+              <a:defRPr b="0" sz="1100">
+                <a:solidFill>
+                  <a:srgbClr val="5C2699"/>
+                </a:solidFill>
+                <a:latin typeface="Arial"/>
+                <a:ea typeface="Arial"/>
+                <a:cs typeface="Arial"/>
+                <a:sym typeface="Arial"/>
               </a:defRPr>
             </a:pPr>
             <a:r>
@@ -39082,9 +39037,9 @@
             </a:endParaRPr>
           </a:p>
           <a:p>
-            <a:pPr marL="457200" indent="-317500" defTabSz="457200">
+            <a:pPr marL="527755" indent="-388055" defTabSz="457200">
               <a:lnSpc>
-                <a:spcPts val="2300"/>
+                <a:spcPts val="1700"/>
               </a:lnSpc>
               <a:spcBef>
                 <a:spcPts val="0"/>
@@ -39095,24 +39050,19 @@
               <a:buSzPct val="100000"/>
               <a:buFont typeface="Menlo"/>
               <a:buChar char="•"/>
-              <a:defRPr b="0" sz="900">
-                <a:solidFill>
-                  <a:srgbClr val="007400"/>
-                </a:solidFill>
-                <a:latin typeface="Menlo"/>
-                <a:ea typeface="Menlo"/>
-                <a:cs typeface="Menlo"/>
-                <a:sym typeface="Menlo"/>
+              <a:defRPr b="0" sz="1100">
+                <a:solidFill>
+                  <a:srgbClr val="5C2699"/>
+                </a:solidFill>
+                <a:latin typeface="Arial"/>
+                <a:ea typeface="Arial"/>
+                <a:cs typeface="Arial"/>
+                <a:sym typeface="Arial"/>
               </a:defRPr>
             </a:pPr>
             <a:r>
               <a:t>// ovenLight is now equal to .off</a:t>
             </a:r>
-            <a:endParaRPr>
-              <a:solidFill>
-                <a:srgbClr val="333333"/>
-              </a:solidFill>
-            </a:endParaRPr>
           </a:p>
         </p:txBody>
       </p:sp>
@@ -39260,7 +39210,7 @@
         <p:spPr>
           <a:xfrm>
             <a:off x="877689" y="1468418"/>
-            <a:ext cx="5699483" cy="1717041"/>
+            <a:ext cx="4797102" cy="1976002"/>
           </a:xfrm>
           <a:prstGeom prst="rect">
             <a:avLst/>
@@ -39280,9 +39230,9 @@
           </a:bodyPr>
           <a:lstStyle/>
           <a:p>
-            <a:pPr marL="457200" indent="-317500" defTabSz="457200">
+            <a:pPr marL="502557" indent="-362857" defTabSz="457200">
               <a:lnSpc>
-                <a:spcPts val="3900"/>
+                <a:spcPts val="2500"/>
               </a:lnSpc>
               <a:spcBef>
                 <a:spcPts val="0"/>
@@ -39293,14 +39243,14 @@
               <a:buSzPct val="100000"/>
               <a:buFont typeface="Menlo"/>
               <a:buChar char="•"/>
-              <a:defRPr b="0">
-                <a:solidFill>
-                  <a:srgbClr val="3F6E74"/>
-                </a:solidFill>
-                <a:latin typeface="Menlo"/>
-                <a:ea typeface="Menlo"/>
-                <a:cs typeface="Menlo"/>
-                <a:sym typeface="Menlo"/>
+              <a:defRPr b="0" sz="1600">
+                <a:solidFill>
+                  <a:srgbClr val="5C2699"/>
+                </a:solidFill>
+                <a:latin typeface="Arial"/>
+                <a:ea typeface="Arial"/>
+                <a:cs typeface="Arial"/>
+                <a:sym typeface="Arial"/>
               </a:defRPr>
             </a:pPr>
             <a:r>
@@ -39337,9 +39287,9 @@
             </a:endParaRPr>
           </a:p>
           <a:p>
-            <a:pPr marL="457200" indent="-317500" defTabSz="457200">
+            <a:pPr marL="502557" indent="-362857" defTabSz="457200">
               <a:lnSpc>
-                <a:spcPts val="3900"/>
+                <a:spcPts val="2500"/>
               </a:lnSpc>
               <a:spcBef>
                 <a:spcPts val="0"/>
@@ -39350,14 +39300,14 @@
               <a:buSzPct val="100000"/>
               <a:buFont typeface="Menlo"/>
               <a:buChar char="•"/>
-              <a:defRPr b="0">
-                <a:solidFill>
-                  <a:srgbClr val="3F6E74"/>
-                </a:solidFill>
-                <a:latin typeface="Menlo"/>
-                <a:ea typeface="Menlo"/>
-                <a:cs typeface="Menlo"/>
-                <a:sym typeface="Menlo"/>
+              <a:defRPr b="0" sz="1600">
+                <a:solidFill>
+                  <a:srgbClr val="5C2699"/>
+                </a:solidFill>
+                <a:latin typeface="Arial"/>
+                <a:ea typeface="Arial"/>
+                <a:cs typeface="Arial"/>
+                <a:sym typeface="Arial"/>
               </a:defRPr>
             </a:pPr>
             <a:r>
@@ -39418,9 +39368,9 @@
             </a:endParaRPr>
           </a:p>
           <a:p>
-            <a:pPr marL="457200" indent="-317500" defTabSz="457200">
+            <a:pPr marL="502557" indent="-362857" defTabSz="457200">
               <a:lnSpc>
-                <a:spcPts val="3900"/>
+                <a:spcPts val="2500"/>
               </a:lnSpc>
               <a:spcBef>
                 <a:spcPts val="0"/>
@@ -39431,14 +39381,14 @@
               <a:buSzPct val="100000"/>
               <a:buFont typeface="Menlo"/>
               <a:buChar char="•"/>
-              <a:defRPr b="0">
-                <a:solidFill>
-                  <a:srgbClr val="007400"/>
-                </a:solidFill>
-                <a:latin typeface="Menlo"/>
-                <a:ea typeface="Menlo"/>
-                <a:cs typeface="Menlo"/>
-                <a:sym typeface="Menlo"/>
+              <a:defRPr b="0" sz="1600">
+                <a:solidFill>
+                  <a:srgbClr val="5C2699"/>
+                </a:solidFill>
+                <a:latin typeface="Arial"/>
+                <a:ea typeface="Arial"/>
+                <a:cs typeface="Arial"/>
+                <a:sym typeface="Arial"/>
               </a:defRPr>
             </a:pPr>
             <a:r>
@@ -39459,9 +39409,9 @@
             </a:endParaRPr>
           </a:p>
           <a:p>
-            <a:pPr marL="457200" indent="-317500" defTabSz="457200">
+            <a:pPr marL="502557" indent="-362857" defTabSz="457200">
               <a:lnSpc>
-                <a:spcPts val="3900"/>
+                <a:spcPts val="2500"/>
               </a:lnSpc>
               <a:spcBef>
                 <a:spcPts val="0"/>
@@ -39472,14 +39422,14 @@
               <a:buSzPct val="100000"/>
               <a:buFont typeface="Menlo"/>
               <a:buChar char="•"/>
-              <a:defRPr b="0">
-                <a:solidFill>
-                  <a:srgbClr val="333333"/>
-                </a:solidFill>
-                <a:latin typeface="Menlo"/>
-                <a:ea typeface="Menlo"/>
-                <a:cs typeface="Menlo"/>
-                <a:sym typeface="Menlo"/>
+              <a:defRPr b="0" sz="1600">
+                <a:solidFill>
+                  <a:srgbClr val="5C2699"/>
+                </a:solidFill>
+                <a:latin typeface="Arial"/>
+                <a:ea typeface="Arial"/>
+                <a:cs typeface="Arial"/>
+                <a:sym typeface="Arial"/>
               </a:defRPr>
             </a:pPr>
             <a:r>
@@ -39487,9 +39437,9 @@
             </a:r>
           </a:p>
           <a:p>
-            <a:pPr marL="457200" indent="-317500" defTabSz="457200">
+            <a:pPr marL="502557" indent="-362857" defTabSz="457200">
               <a:lnSpc>
-                <a:spcPts val="3900"/>
+                <a:spcPts val="2500"/>
               </a:lnSpc>
               <a:spcBef>
                 <a:spcPts val="0"/>
@@ -39500,14 +39450,14 @@
               <a:buSzPct val="100000"/>
               <a:buFont typeface="Menlo"/>
               <a:buChar char="•"/>
-              <a:defRPr b="0">
-                <a:solidFill>
-                  <a:srgbClr val="333333"/>
-                </a:solidFill>
-                <a:latin typeface="Menlo"/>
-                <a:ea typeface="Menlo"/>
-                <a:cs typeface="Menlo"/>
-                <a:sym typeface="Menlo"/>
+              <a:defRPr b="0" sz="1600">
+                <a:solidFill>
+                  <a:srgbClr val="5C2699"/>
+                </a:solidFill>
+                <a:latin typeface="Arial"/>
+                <a:ea typeface="Arial"/>
+                <a:cs typeface="Arial"/>
+                <a:sym typeface="Arial"/>
               </a:defRPr>
             </a:pPr>
             <a:r>
@@ -39515,9 +39465,9 @@
             </a:r>
           </a:p>
           <a:p>
-            <a:pPr marL="457200" indent="-317500" defTabSz="457200">
+            <a:pPr marL="502557" indent="-362857" defTabSz="457200">
               <a:lnSpc>
-                <a:spcPts val="3900"/>
+                <a:spcPts val="2500"/>
               </a:lnSpc>
               <a:spcBef>
                 <a:spcPts val="0"/>
@@ -39528,14 +39478,14 @@
               <a:buSzPct val="100000"/>
               <a:buFont typeface="Menlo"/>
               <a:buChar char="•"/>
-              <a:defRPr b="0">
-                <a:solidFill>
-                  <a:srgbClr val="3F6E74"/>
-                </a:solidFill>
-                <a:latin typeface="Menlo"/>
-                <a:ea typeface="Menlo"/>
-                <a:cs typeface="Menlo"/>
-                <a:sym typeface="Menlo"/>
+              <a:defRPr b="0" sz="1600">
+                <a:solidFill>
+                  <a:srgbClr val="5C2699"/>
+                </a:solidFill>
+                <a:latin typeface="Arial"/>
+                <a:ea typeface="Arial"/>
+                <a:cs typeface="Arial"/>
+                <a:sym typeface="Arial"/>
               </a:defRPr>
             </a:pPr>
             <a:r>
@@ -39706,8 +39656,8 @@
         </p:nvSpPr>
         <p:spPr>
           <a:xfrm>
-            <a:off x="883069" y="1048760"/>
-            <a:ext cx="5584792" cy="3850641"/>
+            <a:off x="3281984" y="499098"/>
+            <a:ext cx="4535968" cy="4461754"/>
           </a:xfrm>
           <a:prstGeom prst="rect">
             <a:avLst/>
@@ -39727,9 +39677,9 @@
           </a:bodyPr>
           <a:lstStyle/>
           <a:p>
-            <a:pPr marL="457200" indent="-317500" defTabSz="457200">
+            <a:pPr marL="527755" indent="-388055" defTabSz="457200">
               <a:lnSpc>
-                <a:spcPts val="2300"/>
+                <a:spcPts val="1500"/>
               </a:lnSpc>
               <a:spcBef>
                 <a:spcPts val="0"/>
@@ -39740,14 +39690,14 @@
               <a:buSzPct val="100000"/>
               <a:buFont typeface="Menlo"/>
               <a:buChar char="•"/>
-              <a:defRPr b="0" sz="900">
-                <a:solidFill>
-                  <a:srgbClr val="3F6E74"/>
-                </a:solidFill>
-                <a:latin typeface="Menlo"/>
-                <a:ea typeface="Menlo"/>
-                <a:cs typeface="Menlo"/>
-                <a:sym typeface="Menlo"/>
+              <a:defRPr b="0" sz="1000">
+                <a:solidFill>
+                  <a:srgbClr val="5C2699"/>
+                </a:solidFill>
+                <a:latin typeface="Arial"/>
+                <a:ea typeface="Arial"/>
+                <a:cs typeface="Arial"/>
+                <a:sym typeface="Arial"/>
               </a:defRPr>
             </a:pPr>
             <a:r>
@@ -39784,9 +39734,9 @@
             </a:endParaRPr>
           </a:p>
           <a:p>
-            <a:pPr marL="457200" indent="-317500" defTabSz="457200">
+            <a:pPr marL="527755" indent="-388055" defTabSz="457200">
               <a:lnSpc>
-                <a:spcPts val="2300"/>
+                <a:spcPts val="1500"/>
               </a:lnSpc>
               <a:spcBef>
                 <a:spcPts val="0"/>
@@ -39797,14 +39747,14 @@
               <a:buSzPct val="100000"/>
               <a:buFont typeface="Menlo"/>
               <a:buChar char="•"/>
-              <a:defRPr b="0" sz="900">
-                <a:solidFill>
-                  <a:srgbClr val="3F6E74"/>
-                </a:solidFill>
-                <a:latin typeface="Menlo"/>
-                <a:ea typeface="Menlo"/>
-                <a:cs typeface="Menlo"/>
-                <a:sym typeface="Menlo"/>
+              <a:defRPr b="0" sz="1000">
+                <a:solidFill>
+                  <a:srgbClr val="5C2699"/>
+                </a:solidFill>
+                <a:latin typeface="Arial"/>
+                <a:ea typeface="Arial"/>
+                <a:cs typeface="Arial"/>
+                <a:sym typeface="Arial"/>
               </a:defRPr>
             </a:pPr>
             <a:r>
@@ -39873,9 +39823,9 @@
             </a:endParaRPr>
           </a:p>
           <a:p>
-            <a:pPr marL="457200" indent="-317500" defTabSz="457200">
+            <a:pPr marL="527755" indent="-388055" defTabSz="457200">
               <a:lnSpc>
-                <a:spcPts val="2300"/>
+                <a:spcPts val="1500"/>
               </a:lnSpc>
               <a:spcBef>
                 <a:spcPts val="0"/>
@@ -39886,14 +39836,14 @@
               <a:buSzPct val="100000"/>
               <a:buFont typeface="Menlo"/>
               <a:buChar char="•"/>
-              <a:defRPr b="0" sz="900">
-                <a:solidFill>
-                  <a:srgbClr val="3F6E74"/>
-                </a:solidFill>
-                <a:latin typeface="Menlo"/>
-                <a:ea typeface="Menlo"/>
-                <a:cs typeface="Menlo"/>
-                <a:sym typeface="Menlo"/>
+              <a:defRPr b="0" sz="1000">
+                <a:solidFill>
+                  <a:srgbClr val="5C2699"/>
+                </a:solidFill>
+                <a:latin typeface="Arial"/>
+                <a:ea typeface="Arial"/>
+                <a:cs typeface="Arial"/>
+                <a:sym typeface="Arial"/>
               </a:defRPr>
             </a:pPr>
             <a:r>
@@ -39946,9 +39896,9 @@
             </a:endParaRPr>
           </a:p>
           <a:p>
-            <a:pPr marL="457200" indent="-317500" defTabSz="457200">
+            <a:pPr marL="527755" indent="-388055" defTabSz="457200">
               <a:lnSpc>
-                <a:spcPts val="2300"/>
+                <a:spcPts val="1500"/>
               </a:lnSpc>
               <a:spcBef>
                 <a:spcPts val="0"/>
@@ -39959,21 +39909,21 @@
               <a:buSzPct val="100000"/>
               <a:buFont typeface="Menlo"/>
               <a:buChar char="•"/>
-              <a:defRPr b="0" sz="900">
-                <a:solidFill>
-                  <a:srgbClr val="333333"/>
-                </a:solidFill>
-                <a:latin typeface="Menlo"/>
-                <a:ea typeface="Menlo"/>
-                <a:cs typeface="Menlo"/>
-                <a:sym typeface="Menlo"/>
+              <a:defRPr b="0" sz="1000">
+                <a:solidFill>
+                  <a:srgbClr val="5C2699"/>
+                </a:solidFill>
+                <a:latin typeface="Arial"/>
+                <a:ea typeface="Arial"/>
+                <a:cs typeface="Arial"/>
+                <a:sym typeface="Arial"/>
               </a:defRPr>
             </a:pPr>
           </a:p>
           <a:p>
-            <a:pPr marL="457200" indent="-317500" defTabSz="457200">
+            <a:pPr marL="527755" indent="-388055" defTabSz="457200">
               <a:lnSpc>
-                <a:spcPts val="2300"/>
+                <a:spcPts val="1500"/>
               </a:lnSpc>
               <a:spcBef>
                 <a:spcPts val="0"/>
@@ -39984,14 +39934,14 @@
               <a:buSzPct val="100000"/>
               <a:buFont typeface="Menlo"/>
               <a:buChar char="•"/>
-              <a:defRPr b="0" sz="900">
-                <a:solidFill>
-                  <a:srgbClr val="333333"/>
-                </a:solidFill>
-                <a:latin typeface="Menlo"/>
-                <a:ea typeface="Menlo"/>
-                <a:cs typeface="Menlo"/>
-                <a:sym typeface="Menlo"/>
+              <a:defRPr b="0" sz="1000">
+                <a:solidFill>
+                  <a:srgbClr val="5C2699"/>
+                </a:solidFill>
+                <a:latin typeface="Arial"/>
+                <a:ea typeface="Arial"/>
+                <a:cs typeface="Arial"/>
+                <a:sym typeface="Arial"/>
               </a:defRPr>
             </a:pPr>
             <a:r>
@@ -40053,11 +40003,6 @@
               <a:t>: </a:t>
             </a:r>
             <a:r>
-              <a:rPr>
-                <a:solidFill>
-                  <a:srgbClr val="5C2699"/>
-                </a:solidFill>
-              </a:rPr>
               <a:t>Int</a:t>
             </a:r>
             <a:r>
@@ -40065,9 +40010,9 @@
             </a:r>
           </a:p>
           <a:p>
-            <a:pPr marL="457200" indent="-317500" defTabSz="457200">
+            <a:pPr marL="527755" indent="-388055" defTabSz="457200">
               <a:lnSpc>
-                <a:spcPts val="2300"/>
+                <a:spcPts val="1500"/>
               </a:lnSpc>
               <a:spcBef>
                 <a:spcPts val="0"/>
@@ -40078,14 +40023,14 @@
               <a:buSzPct val="100000"/>
               <a:buFont typeface="Menlo"/>
               <a:buChar char="•"/>
-              <a:defRPr b="0" sz="900">
-                <a:solidFill>
-                  <a:srgbClr val="3F6E74"/>
-                </a:solidFill>
-                <a:latin typeface="Menlo"/>
-                <a:ea typeface="Menlo"/>
-                <a:cs typeface="Menlo"/>
-                <a:sym typeface="Menlo"/>
+              <a:defRPr b="0" sz="1000">
+                <a:solidFill>
+                  <a:srgbClr val="5C2699"/>
+                </a:solidFill>
+                <a:latin typeface="Arial"/>
+                <a:ea typeface="Arial"/>
+                <a:cs typeface="Arial"/>
+                <a:sym typeface="Arial"/>
               </a:defRPr>
             </a:pPr>
             <a:r>
@@ -40163,9 +40108,9 @@
             </a:endParaRPr>
           </a:p>
           <a:p>
-            <a:pPr marL="457200" indent="-317500" defTabSz="457200">
+            <a:pPr marL="527755" indent="-388055" defTabSz="457200">
               <a:lnSpc>
-                <a:spcPts val="2300"/>
+                <a:spcPts val="1500"/>
               </a:lnSpc>
               <a:spcBef>
                 <a:spcPts val="0"/>
@@ -40176,14 +40121,14 @@
               <a:buSzPct val="100000"/>
               <a:buFont typeface="Menlo"/>
               <a:buChar char="•"/>
-              <a:defRPr b="0" sz="900">
-                <a:solidFill>
-                  <a:srgbClr val="333333"/>
-                </a:solidFill>
-                <a:latin typeface="Menlo"/>
-                <a:ea typeface="Menlo"/>
-                <a:cs typeface="Menlo"/>
-                <a:sym typeface="Menlo"/>
+              <a:defRPr b="0" sz="1000">
+                <a:solidFill>
+                  <a:srgbClr val="5C2699"/>
+                </a:solidFill>
+                <a:latin typeface="Arial"/>
+                <a:ea typeface="Arial"/>
+                <a:cs typeface="Arial"/>
+                <a:sym typeface="Arial"/>
               </a:defRPr>
             </a:pPr>
             <a:r>
@@ -40191,9 +40136,9 @@
             </a:r>
           </a:p>
           <a:p>
-            <a:pPr marL="457200" indent="-317500" defTabSz="457200">
+            <a:pPr marL="527755" indent="-388055" defTabSz="457200">
               <a:lnSpc>
-                <a:spcPts val="2300"/>
+                <a:spcPts val="1500"/>
               </a:lnSpc>
               <a:spcBef>
                 <a:spcPts val="0"/>
@@ -40204,21 +40149,21 @@
               <a:buSzPct val="100000"/>
               <a:buFont typeface="Menlo"/>
               <a:buChar char="•"/>
-              <a:defRPr b="0" sz="900">
-                <a:solidFill>
-                  <a:srgbClr val="333333"/>
-                </a:solidFill>
-                <a:latin typeface="Menlo"/>
-                <a:ea typeface="Menlo"/>
-                <a:cs typeface="Menlo"/>
-                <a:sym typeface="Menlo"/>
+              <a:defRPr b="0" sz="1000">
+                <a:solidFill>
+                  <a:srgbClr val="5C2699"/>
+                </a:solidFill>
+                <a:latin typeface="Arial"/>
+                <a:ea typeface="Arial"/>
+                <a:cs typeface="Arial"/>
+                <a:sym typeface="Arial"/>
               </a:defRPr>
             </a:pPr>
           </a:p>
           <a:p>
-            <a:pPr marL="457200" indent="-317500" defTabSz="457200">
+            <a:pPr marL="527755" indent="-388055" defTabSz="457200">
               <a:lnSpc>
-                <a:spcPts val="2300"/>
+                <a:spcPts val="1500"/>
               </a:lnSpc>
               <a:spcBef>
                 <a:spcPts val="0"/>
@@ -40229,14 +40174,14 @@
               <a:buSzPct val="100000"/>
               <a:buFont typeface="Menlo"/>
               <a:buChar char="•"/>
-              <a:defRPr b="0" sz="900">
-                <a:solidFill>
-                  <a:srgbClr val="3F6E74"/>
-                </a:solidFill>
-                <a:latin typeface="Menlo"/>
-                <a:ea typeface="Menlo"/>
-                <a:cs typeface="Menlo"/>
-                <a:sym typeface="Menlo"/>
+              <a:defRPr b="0" sz="1000">
+                <a:solidFill>
+                  <a:srgbClr val="5C2699"/>
+                </a:solidFill>
+                <a:latin typeface="Arial"/>
+                <a:ea typeface="Arial"/>
+                <a:cs typeface="Arial"/>
+                <a:sym typeface="Arial"/>
               </a:defRPr>
             </a:pPr>
             <a:r>
@@ -40318,11 +40263,6 @@
               <a:t>: </a:t>
             </a:r>
             <a:r>
-              <a:rPr>
-                <a:solidFill>
-                  <a:srgbClr val="5C2699"/>
-                </a:solidFill>
-              </a:rPr>
               <a:t>Int</a:t>
             </a:r>
             <a:r>
@@ -40334,11 +40274,6 @@
               <a:t>) -&gt; </a:t>
             </a:r>
             <a:r>
-              <a:rPr>
-                <a:solidFill>
-                  <a:srgbClr val="5C2699"/>
-                </a:solidFill>
-              </a:rPr>
               <a:t>Bool</a:t>
             </a:r>
             <a:r>
@@ -40356,9 +40291,9 @@
             </a:endParaRPr>
           </a:p>
           <a:p>
-            <a:pPr marL="457200" indent="-317500" defTabSz="457200">
+            <a:pPr marL="527755" indent="-388055" defTabSz="457200">
               <a:lnSpc>
-                <a:spcPts val="2300"/>
+                <a:spcPts val="1500"/>
               </a:lnSpc>
               <a:spcBef>
                 <a:spcPts val="0"/>
@@ -40369,14 +40304,14 @@
               <a:buSzPct val="100000"/>
               <a:buFont typeface="Menlo"/>
               <a:buChar char="•"/>
-              <a:defRPr b="0" sz="900">
-                <a:solidFill>
-                  <a:srgbClr val="3F6E74"/>
-                </a:solidFill>
-                <a:latin typeface="Menlo"/>
-                <a:ea typeface="Menlo"/>
-                <a:cs typeface="Menlo"/>
-                <a:sym typeface="Menlo"/>
+              <a:defRPr b="0" sz="1000">
+                <a:solidFill>
+                  <a:srgbClr val="5C2699"/>
+                </a:solidFill>
+                <a:latin typeface="Arial"/>
+                <a:ea typeface="Arial"/>
+                <a:cs typeface="Arial"/>
+                <a:sym typeface="Arial"/>
               </a:defRPr>
             </a:pPr>
             <a:r>
@@ -40424,9 +40359,9 @@
             </a:endParaRPr>
           </a:p>
           <a:p>
-            <a:pPr marL="457200" indent="-317500" defTabSz="457200">
+            <a:pPr marL="527755" indent="-388055" defTabSz="457200">
               <a:lnSpc>
-                <a:spcPts val="2300"/>
+                <a:spcPts val="1500"/>
               </a:lnSpc>
               <a:spcBef>
                 <a:spcPts val="0"/>
@@ -40437,14 +40372,14 @@
               <a:buSzPct val="100000"/>
               <a:buFont typeface="Menlo"/>
               <a:buChar char="•"/>
-              <a:defRPr b="0" sz="900">
-                <a:solidFill>
-                  <a:srgbClr val="333333"/>
-                </a:solidFill>
-                <a:latin typeface="Menlo"/>
-                <a:ea typeface="Menlo"/>
-                <a:cs typeface="Menlo"/>
-                <a:sym typeface="Menlo"/>
+              <a:defRPr b="0" sz="1000">
+                <a:solidFill>
+                  <a:srgbClr val="5C2699"/>
+                </a:solidFill>
+                <a:latin typeface="Arial"/>
+                <a:ea typeface="Arial"/>
+                <a:cs typeface="Arial"/>
+                <a:sym typeface="Arial"/>
               </a:defRPr>
             </a:pPr>
             <a:r>
@@ -40452,9 +40387,9 @@
             </a:r>
           </a:p>
           <a:p>
-            <a:pPr marL="457200" indent="-317500" defTabSz="457200">
+            <a:pPr marL="527755" indent="-388055" defTabSz="457200">
               <a:lnSpc>
-                <a:spcPts val="2300"/>
+                <a:spcPts val="1500"/>
               </a:lnSpc>
               <a:spcBef>
                 <a:spcPts val="0"/>
@@ -40465,21 +40400,21 @@
               <a:buSzPct val="100000"/>
               <a:buFont typeface="Menlo"/>
               <a:buChar char="•"/>
-              <a:defRPr b="0" sz="900">
-                <a:solidFill>
-                  <a:srgbClr val="333333"/>
-                </a:solidFill>
-                <a:latin typeface="Menlo"/>
-                <a:ea typeface="Menlo"/>
-                <a:cs typeface="Menlo"/>
-                <a:sym typeface="Menlo"/>
+              <a:defRPr b="0" sz="1000">
+                <a:solidFill>
+                  <a:srgbClr val="5C2699"/>
+                </a:solidFill>
+                <a:latin typeface="Arial"/>
+                <a:ea typeface="Arial"/>
+                <a:cs typeface="Arial"/>
+                <a:sym typeface="Arial"/>
               </a:defRPr>
             </a:pPr>
           </a:p>
           <a:p>
-            <a:pPr marL="457200" indent="-317500" defTabSz="457200">
+            <a:pPr marL="527755" indent="-388055" defTabSz="457200">
               <a:lnSpc>
-                <a:spcPts val="2300"/>
+                <a:spcPts val="1500"/>
               </a:lnSpc>
               <a:spcBef>
                 <a:spcPts val="0"/>
@@ -40490,14 +40425,14 @@
               <a:buSzPct val="100000"/>
               <a:buFont typeface="Menlo"/>
               <a:buChar char="•"/>
-              <a:defRPr b="0" sz="900">
-                <a:solidFill>
-                  <a:srgbClr val="AA0D91"/>
-                </a:solidFill>
-                <a:latin typeface="Menlo"/>
-                <a:ea typeface="Menlo"/>
-                <a:cs typeface="Menlo"/>
-                <a:sym typeface="Menlo"/>
+              <a:defRPr b="0" sz="1000">
+                <a:solidFill>
+                  <a:srgbClr val="5C2699"/>
+                </a:solidFill>
+                <a:latin typeface="Arial"/>
+                <a:ea typeface="Arial"/>
+                <a:cs typeface="Arial"/>
+                <a:sym typeface="Arial"/>
               </a:defRPr>
             </a:pPr>
             <a:r>
@@ -40518,9 +40453,9 @@
             </a:endParaRPr>
           </a:p>
           <a:p>
-            <a:pPr marL="457200" indent="-317500" defTabSz="457200">
+            <a:pPr marL="527755" indent="-388055" defTabSz="457200">
               <a:lnSpc>
-                <a:spcPts val="2300"/>
+                <a:spcPts val="1500"/>
               </a:lnSpc>
               <a:spcBef>
                 <a:spcPts val="0"/>
@@ -40531,14 +40466,14 @@
               <a:buSzPct val="100000"/>
               <a:buFont typeface="Menlo"/>
               <a:buChar char="•"/>
-              <a:defRPr b="0" sz="900">
-                <a:solidFill>
-                  <a:srgbClr val="AA0D91"/>
-                </a:solidFill>
-                <a:latin typeface="Menlo"/>
-                <a:ea typeface="Menlo"/>
-                <a:cs typeface="Menlo"/>
-                <a:sym typeface="Menlo"/>
+              <a:defRPr b="0" sz="1000">
+                <a:solidFill>
+                  <a:srgbClr val="5C2699"/>
+                </a:solidFill>
+                <a:latin typeface="Arial"/>
+                <a:ea typeface="Arial"/>
+                <a:cs typeface="Arial"/>
+                <a:sym typeface="Arial"/>
               </a:defRPr>
             </a:pPr>
             <a:r>
@@ -40620,11 +40555,6 @@
               <a:t>: </a:t>
             </a:r>
             <a:r>
-              <a:rPr>
-                <a:solidFill>
-                  <a:srgbClr val="5C2699"/>
-                </a:solidFill>
-              </a:rPr>
               <a:t>Int</a:t>
             </a:r>
             <a:r>
@@ -40636,11 +40566,6 @@
               <a:t>) -&gt; </a:t>
             </a:r>
             <a:r>
-              <a:rPr>
-                <a:solidFill>
-                  <a:srgbClr val="5C2699"/>
-                </a:solidFill>
-              </a:rPr>
               <a:t>Bool</a:t>
             </a:r>
             <a:r>
@@ -40658,9 +40583,9 @@
             </a:endParaRPr>
           </a:p>
           <a:p>
-            <a:pPr marL="457200" indent="-317500" defTabSz="457200">
+            <a:pPr marL="527755" indent="-388055" defTabSz="457200">
               <a:lnSpc>
-                <a:spcPts val="2300"/>
+                <a:spcPts val="1500"/>
               </a:lnSpc>
               <a:spcBef>
                 <a:spcPts val="0"/>
@@ -40671,14 +40596,14 @@
               <a:buSzPct val="100000"/>
               <a:buFont typeface="Menlo"/>
               <a:buChar char="•"/>
-              <a:defRPr b="0" sz="900">
-                <a:solidFill>
-                  <a:srgbClr val="3F6E74"/>
-                </a:solidFill>
-                <a:latin typeface="Menlo"/>
-                <a:ea typeface="Menlo"/>
-                <a:cs typeface="Menlo"/>
-                <a:sym typeface="Menlo"/>
+              <a:defRPr b="0" sz="1000">
+                <a:solidFill>
+                  <a:srgbClr val="5C2699"/>
+                </a:solidFill>
+                <a:latin typeface="Arial"/>
+                <a:ea typeface="Arial"/>
+                <a:cs typeface="Arial"/>
+                <a:sym typeface="Arial"/>
               </a:defRPr>
             </a:pPr>
             <a:r>
@@ -40745,9 +40670,9 @@
             </a:endParaRPr>
           </a:p>
           <a:p>
-            <a:pPr marL="457200" indent="-317500" defTabSz="457200">
+            <a:pPr marL="527755" indent="-388055" defTabSz="457200">
               <a:lnSpc>
-                <a:spcPts val="2300"/>
+                <a:spcPts val="1500"/>
               </a:lnSpc>
               <a:spcBef>
                 <a:spcPts val="0"/>
@@ -40758,14 +40683,14 @@
               <a:buSzPct val="100000"/>
               <a:buFont typeface="Menlo"/>
               <a:buChar char="•"/>
-              <a:defRPr b="0" sz="900">
-                <a:solidFill>
-                  <a:srgbClr val="333333"/>
-                </a:solidFill>
-                <a:latin typeface="Menlo"/>
-                <a:ea typeface="Menlo"/>
-                <a:cs typeface="Menlo"/>
-                <a:sym typeface="Menlo"/>
+              <a:defRPr b="0" sz="1000">
+                <a:solidFill>
+                  <a:srgbClr val="5C2699"/>
+                </a:solidFill>
+                <a:latin typeface="Arial"/>
+                <a:ea typeface="Arial"/>
+                <a:cs typeface="Arial"/>
+                <a:sym typeface="Arial"/>
               </a:defRPr>
             </a:pPr>
             <a:r>
@@ -40792,9 +40717,9 @@
             </a:r>
           </a:p>
           <a:p>
-            <a:pPr marL="457200" indent="-317500" defTabSz="457200">
+            <a:pPr marL="527755" indent="-388055" defTabSz="457200">
               <a:lnSpc>
-                <a:spcPts val="2300"/>
+                <a:spcPts val="1500"/>
               </a:lnSpc>
               <a:spcBef>
                 <a:spcPts val="0"/>
@@ -40805,14 +40730,14 @@
               <a:buSzPct val="100000"/>
               <a:buFont typeface="Menlo"/>
               <a:buChar char="•"/>
-              <a:defRPr b="0" sz="900">
-                <a:solidFill>
-                  <a:srgbClr val="333333"/>
-                </a:solidFill>
-                <a:latin typeface="Menlo"/>
-                <a:ea typeface="Menlo"/>
-                <a:cs typeface="Menlo"/>
-                <a:sym typeface="Menlo"/>
+              <a:defRPr b="0" sz="1000">
+                <a:solidFill>
+                  <a:srgbClr val="5C2699"/>
+                </a:solidFill>
+                <a:latin typeface="Arial"/>
+                <a:ea typeface="Arial"/>
+                <a:cs typeface="Arial"/>
+                <a:sym typeface="Arial"/>
               </a:defRPr>
             </a:pPr>
             <a:r>
@@ -40839,9 +40764,9 @@
             </a:r>
           </a:p>
           <a:p>
-            <a:pPr marL="457200" indent="-317500" defTabSz="457200">
+            <a:pPr marL="527755" indent="-388055" defTabSz="457200">
               <a:lnSpc>
-                <a:spcPts val="2300"/>
+                <a:spcPts val="1500"/>
               </a:lnSpc>
               <a:spcBef>
                 <a:spcPts val="0"/>
@@ -40852,14 +40777,14 @@
               <a:buSzPct val="100000"/>
               <a:buFont typeface="Menlo"/>
               <a:buChar char="•"/>
-              <a:defRPr b="0" sz="900">
-                <a:solidFill>
-                  <a:srgbClr val="333333"/>
-                </a:solidFill>
-                <a:latin typeface="Menlo"/>
-                <a:ea typeface="Menlo"/>
-                <a:cs typeface="Menlo"/>
-                <a:sym typeface="Menlo"/>
+              <a:defRPr b="0" sz="1000">
+                <a:solidFill>
+                  <a:srgbClr val="5C2699"/>
+                </a:solidFill>
+                <a:latin typeface="Arial"/>
+                <a:ea typeface="Arial"/>
+                <a:cs typeface="Arial"/>
+                <a:sym typeface="Arial"/>
               </a:defRPr>
             </a:pPr>
             <a:r>
@@ -40878,9 +40803,9 @@
             </a:r>
           </a:p>
           <a:p>
-            <a:pPr marL="457200" indent="-317500" defTabSz="457200">
+            <a:pPr marL="527755" indent="-388055" defTabSz="457200">
               <a:lnSpc>
-                <a:spcPts val="2300"/>
+                <a:spcPts val="1500"/>
               </a:lnSpc>
               <a:spcBef>
                 <a:spcPts val="0"/>
@@ -40891,14 +40816,14 @@
               <a:buSzPct val="100000"/>
               <a:buFont typeface="Menlo"/>
               <a:buChar char="•"/>
-              <a:defRPr b="0" sz="900">
-                <a:solidFill>
-                  <a:srgbClr val="333333"/>
-                </a:solidFill>
-                <a:latin typeface="Menlo"/>
-                <a:ea typeface="Menlo"/>
-                <a:cs typeface="Menlo"/>
-                <a:sym typeface="Menlo"/>
+              <a:defRPr b="0" sz="1000">
+                <a:solidFill>
+                  <a:srgbClr val="5C2699"/>
+                </a:solidFill>
+                <a:latin typeface="Arial"/>
+                <a:ea typeface="Arial"/>
+                <a:cs typeface="Arial"/>
+                <a:sym typeface="Arial"/>
               </a:defRPr>
             </a:pPr>
             <a:r>
@@ -40925,9 +40850,9 @@
             </a:r>
           </a:p>
           <a:p>
-            <a:pPr marL="457200" indent="-317500" defTabSz="457200">
+            <a:pPr marL="527755" indent="-388055" defTabSz="457200">
               <a:lnSpc>
-                <a:spcPts val="2300"/>
+                <a:spcPts val="1500"/>
               </a:lnSpc>
               <a:spcBef>
                 <a:spcPts val="0"/>
@@ -40938,14 +40863,14 @@
               <a:buSzPct val="100000"/>
               <a:buFont typeface="Menlo"/>
               <a:buChar char="•"/>
-              <a:defRPr b="0" sz="900">
-                <a:solidFill>
-                  <a:srgbClr val="333333"/>
-                </a:solidFill>
-                <a:latin typeface="Menlo"/>
-                <a:ea typeface="Menlo"/>
-                <a:cs typeface="Menlo"/>
-                <a:sym typeface="Menlo"/>
+              <a:defRPr b="0" sz="1000">
+                <a:solidFill>
+                  <a:srgbClr val="5C2699"/>
+                </a:solidFill>
+                <a:latin typeface="Arial"/>
+                <a:ea typeface="Arial"/>
+                <a:cs typeface="Arial"/>
+                <a:sym typeface="Arial"/>
               </a:defRPr>
             </a:pPr>
             <a:r>
@@ -40953,9 +40878,9 @@
             </a:r>
           </a:p>
           <a:p>
-            <a:pPr marL="457200" indent="-317500" defTabSz="457200">
+            <a:pPr marL="527755" indent="-388055" defTabSz="457200">
               <a:lnSpc>
-                <a:spcPts val="2300"/>
+                <a:spcPts val="1500"/>
               </a:lnSpc>
               <a:spcBef>
                 <a:spcPts val="0"/>
@@ -40966,14 +40891,14 @@
               <a:buSzPct val="100000"/>
               <a:buFont typeface="Menlo"/>
               <a:buChar char="•"/>
-              <a:defRPr b="0" sz="900">
-                <a:solidFill>
-                  <a:srgbClr val="333333"/>
-                </a:solidFill>
-                <a:latin typeface="Menlo"/>
-                <a:ea typeface="Menlo"/>
-                <a:cs typeface="Menlo"/>
-                <a:sym typeface="Menlo"/>
+              <a:defRPr b="0" sz="1000">
+                <a:solidFill>
+                  <a:srgbClr val="5C2699"/>
+                </a:solidFill>
+                <a:latin typeface="Arial"/>
+                <a:ea typeface="Arial"/>
+                <a:cs typeface="Arial"/>
+                <a:sym typeface="Arial"/>
               </a:defRPr>
             </a:pPr>
             <a:r>
@@ -40981,9 +40906,9 @@
             </a:r>
           </a:p>
           <a:p>
-            <a:pPr marL="457200" indent="-317500" defTabSz="457200">
+            <a:pPr marL="527755" indent="-388055" defTabSz="457200">
               <a:lnSpc>
-                <a:spcPts val="2300"/>
+                <a:spcPts val="1500"/>
               </a:lnSpc>
               <a:spcBef>
                 <a:spcPts val="0"/>
@@ -40994,14 +40919,14 @@
               <a:buSzPct val="100000"/>
               <a:buFont typeface="Menlo"/>
               <a:buChar char="•"/>
-              <a:defRPr b="0" sz="900">
-                <a:solidFill>
-                  <a:srgbClr val="333333"/>
-                </a:solidFill>
-                <a:latin typeface="Menlo"/>
-                <a:ea typeface="Menlo"/>
-                <a:cs typeface="Menlo"/>
-                <a:sym typeface="Menlo"/>
+              <a:defRPr b="0" sz="1000">
+                <a:solidFill>
+                  <a:srgbClr val="5C2699"/>
+                </a:solidFill>
+                <a:latin typeface="Arial"/>
+                <a:ea typeface="Arial"/>
+                <a:cs typeface="Arial"/>
+                <a:sym typeface="Arial"/>
               </a:defRPr>
             </a:pPr>
             <a:r>
@@ -41154,7 +41079,7 @@
         <p:spPr>
           <a:xfrm>
             <a:off x="883069" y="1048760"/>
-            <a:ext cx="4736081" cy="3423921"/>
+            <a:ext cx="3812158" cy="3563502"/>
           </a:xfrm>
           <a:prstGeom prst="rect">
             <a:avLst/>
@@ -41174,9 +41099,9 @@
           </a:bodyPr>
           <a:lstStyle/>
           <a:p>
-            <a:pPr marL="457200" indent="-317500" defTabSz="457200">
+            <a:pPr marL="502557" indent="-362857" defTabSz="457200">
               <a:lnSpc>
-                <a:spcPts val="3900"/>
+                <a:spcPts val="2500"/>
               </a:lnSpc>
               <a:spcBef>
                 <a:spcPts val="0"/>
@@ -41187,14 +41112,14 @@
               <a:buSzPct val="100000"/>
               <a:buFont typeface="Menlo"/>
               <a:buChar char="•"/>
-              <a:defRPr b="0">
-                <a:solidFill>
-                  <a:srgbClr val="AA0D91"/>
-                </a:solidFill>
-                <a:latin typeface="Menlo"/>
-                <a:ea typeface="Menlo"/>
-                <a:cs typeface="Menlo"/>
-                <a:sym typeface="Menlo"/>
+              <a:defRPr b="0" sz="1600">
+                <a:solidFill>
+                  <a:srgbClr val="5C2699"/>
+                </a:solidFill>
+                <a:latin typeface="Arial"/>
+                <a:ea typeface="Arial"/>
+                <a:cs typeface="Arial"/>
+                <a:sym typeface="Arial"/>
               </a:defRPr>
             </a:pPr>
             <a:r>
@@ -41231,9 +41156,9 @@
             </a:endParaRPr>
           </a:p>
           <a:p>
-            <a:pPr marL="457200" indent="-317500" defTabSz="457200">
+            <a:pPr marL="502557" indent="-362857" defTabSz="457200">
               <a:lnSpc>
-                <a:spcPts val="3900"/>
+                <a:spcPts val="2500"/>
               </a:lnSpc>
               <a:spcBef>
                 <a:spcPts val="0"/>
@@ -41244,14 +41169,14 @@
               <a:buSzPct val="100000"/>
               <a:buFont typeface="Menlo"/>
               <a:buChar char="•"/>
-              <a:defRPr b="0">
-                <a:solidFill>
-                  <a:srgbClr val="3F6E74"/>
-                </a:solidFill>
-                <a:latin typeface="Menlo"/>
-                <a:ea typeface="Menlo"/>
-                <a:cs typeface="Menlo"/>
-                <a:sym typeface="Menlo"/>
+              <a:defRPr b="0" sz="1600">
+                <a:solidFill>
+                  <a:srgbClr val="5C2699"/>
+                </a:solidFill>
+                <a:latin typeface="Arial"/>
+                <a:ea typeface="Arial"/>
+                <a:cs typeface="Arial"/>
+                <a:sym typeface="Arial"/>
               </a:defRPr>
             </a:pPr>
             <a:r>
@@ -41307,9 +41232,9 @@
             </a:endParaRPr>
           </a:p>
           <a:p>
-            <a:pPr marL="457200" indent="-317500" defTabSz="457200">
+            <a:pPr marL="502557" indent="-362857" defTabSz="457200">
               <a:lnSpc>
-                <a:spcPts val="3900"/>
+                <a:spcPts val="2500"/>
               </a:lnSpc>
               <a:spcBef>
                 <a:spcPts val="0"/>
@@ -41320,14 +41245,14 @@
               <a:buSzPct val="100000"/>
               <a:buFont typeface="Menlo"/>
               <a:buChar char="•"/>
-              <a:defRPr b="0">
-                <a:solidFill>
-                  <a:srgbClr val="3F6E74"/>
-                </a:solidFill>
-                <a:latin typeface="Menlo"/>
-                <a:ea typeface="Menlo"/>
-                <a:cs typeface="Menlo"/>
-                <a:sym typeface="Menlo"/>
+              <a:defRPr b="0" sz="1600">
+                <a:solidFill>
+                  <a:srgbClr val="5C2699"/>
+                </a:solidFill>
+                <a:latin typeface="Arial"/>
+                <a:ea typeface="Arial"/>
+                <a:cs typeface="Arial"/>
+                <a:sym typeface="Arial"/>
               </a:defRPr>
             </a:pPr>
             <a:r>
@@ -41366,11 +41291,6 @@
               <a:t>: </a:t>
             </a:r>
             <a:r>
-              <a:rPr>
-                <a:solidFill>
-                  <a:srgbClr val="5C2699"/>
-                </a:solidFill>
-              </a:rPr>
               <a:t>String</a:t>
             </a:r>
             <a:endParaRPr>
@@ -41380,9 +41300,9 @@
             </a:endParaRPr>
           </a:p>
           <a:p>
-            <a:pPr marL="457200" indent="-317500" defTabSz="457200">
+            <a:pPr marL="502557" indent="-362857" defTabSz="457200">
               <a:lnSpc>
-                <a:spcPts val="3900"/>
+                <a:spcPts val="2500"/>
               </a:lnSpc>
               <a:spcBef>
                 <a:spcPts val="0"/>
@@ -41393,14 +41313,14 @@
               <a:buSzPct val="100000"/>
               <a:buFont typeface="Menlo"/>
               <a:buChar char="•"/>
-              <a:defRPr b="0">
-                <a:solidFill>
-                  <a:srgbClr val="3F6E74"/>
-                </a:solidFill>
-                <a:latin typeface="Menlo"/>
-                <a:ea typeface="Menlo"/>
-                <a:cs typeface="Menlo"/>
-                <a:sym typeface="Menlo"/>
+              <a:defRPr b="0" sz="1600">
+                <a:solidFill>
+                  <a:srgbClr val="5C2699"/>
+                </a:solidFill>
+                <a:latin typeface="Arial"/>
+                <a:ea typeface="Arial"/>
+                <a:cs typeface="Arial"/>
+                <a:sym typeface="Arial"/>
               </a:defRPr>
             </a:pPr>
             <a:r>
@@ -41450,11 +41370,6 @@
               <a:t>: </a:t>
             </a:r>
             <a:r>
-              <a:rPr>
-                <a:solidFill>
-                  <a:srgbClr val="5C2699"/>
-                </a:solidFill>
-              </a:rPr>
               <a:t>Int</a:t>
             </a:r>
             <a:r>
@@ -41472,9 +41387,9 @@
             </a:endParaRPr>
           </a:p>
           <a:p>
-            <a:pPr marL="457200" indent="-317500" defTabSz="457200">
+            <a:pPr marL="502557" indent="-362857" defTabSz="457200">
               <a:lnSpc>
-                <a:spcPts val="3900"/>
+                <a:spcPts val="2500"/>
               </a:lnSpc>
               <a:spcBef>
                 <a:spcPts val="0"/>
@@ -41485,14 +41400,14 @@
               <a:buSzPct val="100000"/>
               <a:buFont typeface="Menlo"/>
               <a:buChar char="•"/>
-              <a:defRPr b="0">
-                <a:solidFill>
-                  <a:srgbClr val="3F6E74"/>
-                </a:solidFill>
-                <a:latin typeface="Menlo"/>
-                <a:ea typeface="Menlo"/>
-                <a:cs typeface="Menlo"/>
-                <a:sym typeface="Menlo"/>
+              <a:defRPr b="0" sz="1600">
+                <a:solidFill>
+                  <a:srgbClr val="5C2699"/>
+                </a:solidFill>
+                <a:latin typeface="Arial"/>
+                <a:ea typeface="Arial"/>
+                <a:cs typeface="Arial"/>
+                <a:sym typeface="Arial"/>
               </a:defRPr>
             </a:pPr>
             <a:r>
@@ -41559,9 +41474,9 @@
             </a:endParaRPr>
           </a:p>
           <a:p>
-            <a:pPr marL="457200" indent="-317500" defTabSz="457200">
+            <a:pPr marL="502557" indent="-362857" defTabSz="457200">
               <a:lnSpc>
-                <a:spcPts val="3900"/>
+                <a:spcPts val="2500"/>
               </a:lnSpc>
               <a:spcBef>
                 <a:spcPts val="0"/>
@@ -41572,14 +41487,14 @@
               <a:buSzPct val="100000"/>
               <a:buFont typeface="Menlo"/>
               <a:buChar char="•"/>
-              <a:defRPr b="0">
-                <a:solidFill>
-                  <a:srgbClr val="333333"/>
-                </a:solidFill>
-                <a:latin typeface="Menlo"/>
-                <a:ea typeface="Menlo"/>
-                <a:cs typeface="Menlo"/>
-                <a:sym typeface="Menlo"/>
+              <a:defRPr b="0" sz="1600">
+                <a:solidFill>
+                  <a:srgbClr val="5C2699"/>
+                </a:solidFill>
+                <a:latin typeface="Arial"/>
+                <a:ea typeface="Arial"/>
+                <a:cs typeface="Arial"/>
+                <a:sym typeface="Arial"/>
               </a:defRPr>
             </a:pPr>
             <a:r>
@@ -41642,9 +41557,9 @@
             </a:r>
           </a:p>
           <a:p>
-            <a:pPr marL="457200" indent="-317500" defTabSz="457200">
+            <a:pPr marL="502557" indent="-362857" defTabSz="457200">
               <a:lnSpc>
-                <a:spcPts val="3900"/>
+                <a:spcPts val="2500"/>
               </a:lnSpc>
               <a:spcBef>
                 <a:spcPts val="0"/>
@@ -41655,14 +41570,14 @@
               <a:buSzPct val="100000"/>
               <a:buFont typeface="Menlo"/>
               <a:buChar char="•"/>
-              <a:defRPr b="0">
-                <a:solidFill>
-                  <a:srgbClr val="333333"/>
-                </a:solidFill>
-                <a:latin typeface="Menlo"/>
-                <a:ea typeface="Menlo"/>
-                <a:cs typeface="Menlo"/>
-                <a:sym typeface="Menlo"/>
+              <a:defRPr b="0" sz="1600">
+                <a:solidFill>
+                  <a:srgbClr val="5C2699"/>
+                </a:solidFill>
+                <a:latin typeface="Arial"/>
+                <a:ea typeface="Arial"/>
+                <a:cs typeface="Arial"/>
+                <a:sym typeface="Arial"/>
               </a:defRPr>
             </a:pPr>
             <a:r>
@@ -41670,9 +41585,9 @@
             </a:r>
           </a:p>
           <a:p>
-            <a:pPr marL="457200" indent="-317500" defTabSz="457200">
+            <a:pPr marL="502557" indent="-362857" defTabSz="457200">
               <a:lnSpc>
-                <a:spcPts val="3900"/>
+                <a:spcPts val="2500"/>
               </a:lnSpc>
               <a:spcBef>
                 <a:spcPts val="0"/>
@@ -41683,14 +41598,14 @@
               <a:buSzPct val="100000"/>
               <a:buFont typeface="Menlo"/>
               <a:buChar char="•"/>
-              <a:defRPr b="0">
-                <a:solidFill>
-                  <a:srgbClr val="333333"/>
-                </a:solidFill>
-                <a:latin typeface="Menlo"/>
-                <a:ea typeface="Menlo"/>
-                <a:cs typeface="Menlo"/>
-                <a:sym typeface="Menlo"/>
+              <a:defRPr b="0" sz="1600">
+                <a:solidFill>
+                  <a:srgbClr val="5C2699"/>
+                </a:solidFill>
+                <a:latin typeface="Arial"/>
+                <a:ea typeface="Arial"/>
+                <a:cs typeface="Arial"/>
+                <a:sym typeface="Arial"/>
               </a:defRPr>
             </a:pPr>
             <a:r>
@@ -41719,11 +41634,6 @@
               <a:t>: </a:t>
             </a:r>
             <a:r>
-              <a:rPr>
-                <a:solidFill>
-                  <a:srgbClr val="5C2699"/>
-                </a:solidFill>
-              </a:rPr>
               <a:t>String</a:t>
             </a:r>
             <a:r>
@@ -41731,9 +41641,9 @@
             </a:r>
           </a:p>
           <a:p>
-            <a:pPr marL="457200" indent="-317500" defTabSz="457200">
+            <a:pPr marL="502557" indent="-362857" defTabSz="457200">
               <a:lnSpc>
-                <a:spcPts val="3900"/>
+                <a:spcPts val="2500"/>
               </a:lnSpc>
               <a:spcBef>
                 <a:spcPts val="0"/>
@@ -41744,14 +41654,14 @@
               <a:buSzPct val="100000"/>
               <a:buFont typeface="Menlo"/>
               <a:buChar char="•"/>
-              <a:defRPr b="0">
-                <a:solidFill>
-                  <a:srgbClr val="333333"/>
-                </a:solidFill>
-                <a:latin typeface="Menlo"/>
-                <a:ea typeface="Menlo"/>
-                <a:cs typeface="Menlo"/>
-                <a:sym typeface="Menlo"/>
+              <a:defRPr b="0" sz="1600">
+                <a:solidFill>
+                  <a:srgbClr val="5C2699"/>
+                </a:solidFill>
+                <a:latin typeface="Arial"/>
+                <a:ea typeface="Arial"/>
+                <a:cs typeface="Arial"/>
+                <a:sym typeface="Arial"/>
               </a:defRPr>
             </a:pPr>
             <a:r>
@@ -41778,9 +41688,9 @@
             </a:r>
           </a:p>
           <a:p>
-            <a:pPr marL="457200" indent="-317500" defTabSz="457200">
+            <a:pPr marL="502557" indent="-362857" defTabSz="457200">
               <a:lnSpc>
-                <a:spcPts val="3900"/>
+                <a:spcPts val="2500"/>
               </a:lnSpc>
               <a:spcBef>
                 <a:spcPts val="0"/>
@@ -41791,14 +41701,14 @@
               <a:buSzPct val="100000"/>
               <a:buFont typeface="Menlo"/>
               <a:buChar char="•"/>
-              <a:defRPr b="0">
-                <a:solidFill>
-                  <a:srgbClr val="333333"/>
-                </a:solidFill>
-                <a:latin typeface="Menlo"/>
-                <a:ea typeface="Menlo"/>
-                <a:cs typeface="Menlo"/>
-                <a:sym typeface="Menlo"/>
+              <a:defRPr b="0" sz="1600">
+                <a:solidFill>
+                  <a:srgbClr val="5C2699"/>
+                </a:solidFill>
+                <a:latin typeface="Arial"/>
+                <a:ea typeface="Arial"/>
+                <a:cs typeface="Arial"/>
+                <a:sym typeface="Arial"/>
               </a:defRPr>
             </a:pPr>
             <a:r>
@@ -41806,9 +41716,9 @@
             </a:r>
           </a:p>
           <a:p>
-            <a:pPr marL="457200" indent="-317500" defTabSz="457200">
+            <a:pPr marL="502557" indent="-362857" defTabSz="457200">
               <a:lnSpc>
-                <a:spcPts val="3900"/>
+                <a:spcPts val="2500"/>
               </a:lnSpc>
               <a:spcBef>
                 <a:spcPts val="0"/>
@@ -41819,14 +41729,14 @@
               <a:buSzPct val="100000"/>
               <a:buFont typeface="Menlo"/>
               <a:buChar char="•"/>
-              <a:defRPr b="0">
-                <a:solidFill>
-                  <a:srgbClr val="333333"/>
-                </a:solidFill>
-                <a:latin typeface="Menlo"/>
-                <a:ea typeface="Menlo"/>
-                <a:cs typeface="Menlo"/>
-                <a:sym typeface="Menlo"/>
+              <a:defRPr b="0" sz="1600">
+                <a:solidFill>
+                  <a:srgbClr val="5C2699"/>
+                </a:solidFill>
+                <a:latin typeface="Arial"/>
+                <a:ea typeface="Arial"/>
+                <a:cs typeface="Arial"/>
+                <a:sym typeface="Arial"/>
               </a:defRPr>
             </a:pPr>
             <a:r>
